--- a/figs/Modelo.pptx
+++ b/figs/Modelo.pptx
@@ -104,7 +104,641 @@
       </a:defRPr>
     </a:lvl9pPr>
   </p:defaultTextStyle>
+  <p:extLst>
+    <p:ext uri="{EFAFB233-063F-42B5-8137-9DF3F51BA10A}">
+      <p15:sldGuideLst xmlns:p15="http://schemas.microsoft.com/office/powerpoint/2012/main"/>
+    </p:ext>
+  </p:extLst>
 </p:presentation>
+</file>
+
+<file path=ppt/changesInfos/changesInfo1.xml><?xml version="1.0" encoding="utf-8"?>
+<pc:chgInfo xmlns:a="http://schemas.openxmlformats.org/drawingml/2006/main" xmlns:r="http://schemas.openxmlformats.org/officeDocument/2006/relationships" xmlns:ac="http://schemas.microsoft.com/office/drawing/2013/main/command" xmlns:pc="http://schemas.microsoft.com/office/powerpoint/2013/main/command">
+  <pc:docChgLst>
+    <pc:chgData name="Bruno Chaihuaque" userId="3a6bed79-4b48-4f30-a478-a71d8d03671f" providerId="ADAL" clId="{2F874B52-8066-4B61-AB68-ACA19954B74C}"/>
+    <pc:docChg chg="undo custSel modSld">
+      <pc:chgData name="Bruno Chaihuaque" userId="3a6bed79-4b48-4f30-a478-a71d8d03671f" providerId="ADAL" clId="{2F874B52-8066-4B61-AB68-ACA19954B74C}" dt="2025-07-08T07:34:37.406" v="604" actId="20577"/>
+      <pc:docMkLst>
+        <pc:docMk/>
+      </pc:docMkLst>
+      <pc:sldChg chg="addSp delSp modSp mod">
+        <pc:chgData name="Bruno Chaihuaque" userId="3a6bed79-4b48-4f30-a478-a71d8d03671f" providerId="ADAL" clId="{2F874B52-8066-4B61-AB68-ACA19954B74C}" dt="2025-07-08T07:34:37.406" v="604" actId="20577"/>
+        <pc:sldMkLst>
+          <pc:docMk/>
+          <pc:sldMk cId="2086954834" sldId="256"/>
+        </pc:sldMkLst>
+        <pc:spChg chg="mod">
+          <ac:chgData name="Bruno Chaihuaque" userId="3a6bed79-4b48-4f30-a478-a71d8d03671f" providerId="ADAL" clId="{2F874B52-8066-4B61-AB68-ACA19954B74C}" dt="2025-07-08T06:29:59.725" v="294" actId="1076"/>
+          <ac:spMkLst>
+            <pc:docMk/>
+            <pc:sldMk cId="2086954834" sldId="256"/>
+            <ac:spMk id="16" creationId="{C0748D5E-D418-50B9-2643-9F3A3E235F8C}"/>
+          </ac:spMkLst>
+        </pc:spChg>
+        <pc:spChg chg="mod">
+          <ac:chgData name="Bruno Chaihuaque" userId="3a6bed79-4b48-4f30-a478-a71d8d03671f" providerId="ADAL" clId="{2F874B52-8066-4B61-AB68-ACA19954B74C}" dt="2025-07-08T06:30:20.492" v="301" actId="1037"/>
+          <ac:spMkLst>
+            <pc:docMk/>
+            <pc:sldMk cId="2086954834" sldId="256"/>
+            <ac:spMk id="21" creationId="{0CC3834A-A833-9F24-EE66-437CFEF52FFE}"/>
+          </ac:spMkLst>
+        </pc:spChg>
+        <pc:spChg chg="add mod">
+          <ac:chgData name="Bruno Chaihuaque" userId="3a6bed79-4b48-4f30-a478-a71d8d03671f" providerId="ADAL" clId="{2F874B52-8066-4B61-AB68-ACA19954B74C}" dt="2025-07-08T05:48:56.869" v="20" actId="20577"/>
+          <ac:spMkLst>
+            <pc:docMk/>
+            <pc:sldMk cId="2086954834" sldId="256"/>
+            <ac:spMk id="24" creationId="{7608D95C-6D5F-C360-01B3-97B8CC426B9E}"/>
+          </ac:spMkLst>
+        </pc:spChg>
+        <pc:spChg chg="del">
+          <ac:chgData name="Bruno Chaihuaque" userId="3a6bed79-4b48-4f30-a478-a71d8d03671f" providerId="ADAL" clId="{2F874B52-8066-4B61-AB68-ACA19954B74C}" dt="2025-07-08T05:47:53.504" v="0" actId="478"/>
+          <ac:spMkLst>
+            <pc:docMk/>
+            <pc:sldMk cId="2086954834" sldId="256"/>
+            <ac:spMk id="55" creationId="{8DB94E5E-5120-92CE-13A2-3E6B68BA4FC5}"/>
+          </ac:spMkLst>
+        </pc:spChg>
+        <pc:spChg chg="del mod">
+          <ac:chgData name="Bruno Chaihuaque" userId="3a6bed79-4b48-4f30-a478-a71d8d03671f" providerId="ADAL" clId="{2F874B52-8066-4B61-AB68-ACA19954B74C}" dt="2025-07-08T05:48:33.401" v="3" actId="478"/>
+          <ac:spMkLst>
+            <pc:docMk/>
+            <pc:sldMk cId="2086954834" sldId="256"/>
+            <ac:spMk id="60" creationId="{D950E9AC-3599-1BDD-E819-7FED4B3AC4F3}"/>
+          </ac:spMkLst>
+        </pc:spChg>
+        <pc:spChg chg="add mod">
+          <ac:chgData name="Bruno Chaihuaque" userId="3a6bed79-4b48-4f30-a478-a71d8d03671f" providerId="ADAL" clId="{2F874B52-8066-4B61-AB68-ACA19954B74C}" dt="2025-07-08T05:51:50.197" v="177" actId="1037"/>
+          <ac:spMkLst>
+            <pc:docMk/>
+            <pc:sldMk cId="2086954834" sldId="256"/>
+            <ac:spMk id="61" creationId="{48B5003A-865A-7913-9476-68746357637D}"/>
+          </ac:spMkLst>
+        </pc:spChg>
+        <pc:spChg chg="add mod">
+          <ac:chgData name="Bruno Chaihuaque" userId="3a6bed79-4b48-4f30-a478-a71d8d03671f" providerId="ADAL" clId="{2F874B52-8066-4B61-AB68-ACA19954B74C}" dt="2025-07-08T05:51:50.197" v="177" actId="1037"/>
+          <ac:spMkLst>
+            <pc:docMk/>
+            <pc:sldMk cId="2086954834" sldId="256"/>
+            <ac:spMk id="62" creationId="{DF9A0EBF-F4C0-9930-D8F3-589A6303ACDA}"/>
+          </ac:spMkLst>
+        </pc:spChg>
+        <pc:spChg chg="add mod">
+          <ac:chgData name="Bruno Chaihuaque" userId="3a6bed79-4b48-4f30-a478-a71d8d03671f" providerId="ADAL" clId="{2F874B52-8066-4B61-AB68-ACA19954B74C}" dt="2025-07-08T05:51:50.197" v="177" actId="1037"/>
+          <ac:spMkLst>
+            <pc:docMk/>
+            <pc:sldMk cId="2086954834" sldId="256"/>
+            <ac:spMk id="63" creationId="{000469E9-FF82-CDB0-CD53-0E4306472834}"/>
+          </ac:spMkLst>
+        </pc:spChg>
+        <pc:spChg chg="add mod">
+          <ac:chgData name="Bruno Chaihuaque" userId="3a6bed79-4b48-4f30-a478-a71d8d03671f" providerId="ADAL" clId="{2F874B52-8066-4B61-AB68-ACA19954B74C}" dt="2025-07-08T05:51:50.197" v="177" actId="1037"/>
+          <ac:spMkLst>
+            <pc:docMk/>
+            <pc:sldMk cId="2086954834" sldId="256"/>
+            <ac:spMk id="64" creationId="{8A5CB18C-F894-A157-0748-ED2BD97EBA2A}"/>
+          </ac:spMkLst>
+        </pc:spChg>
+        <pc:spChg chg="add mod">
+          <ac:chgData name="Bruno Chaihuaque" userId="3a6bed79-4b48-4f30-a478-a71d8d03671f" providerId="ADAL" clId="{2F874B52-8066-4B61-AB68-ACA19954B74C}" dt="2025-07-08T05:52:13.138" v="206" actId="20577"/>
+          <ac:spMkLst>
+            <pc:docMk/>
+            <pc:sldMk cId="2086954834" sldId="256"/>
+            <ac:spMk id="65" creationId="{92626129-5A46-BF53-560D-790F14C66531}"/>
+          </ac:spMkLst>
+        </pc:spChg>
+        <pc:spChg chg="del">
+          <ac:chgData name="Bruno Chaihuaque" userId="3a6bed79-4b48-4f30-a478-a71d8d03671f" providerId="ADAL" clId="{2F874B52-8066-4B61-AB68-ACA19954B74C}" dt="2025-07-08T06:27:48.201" v="240" actId="478"/>
+          <ac:spMkLst>
+            <pc:docMk/>
+            <pc:sldMk cId="2086954834" sldId="256"/>
+            <ac:spMk id="70" creationId="{EF2BEC04-24C1-9CFE-3121-60D3AB276667}"/>
+          </ac:spMkLst>
+        </pc:spChg>
+        <pc:spChg chg="mod">
+          <ac:chgData name="Bruno Chaihuaque" userId="3a6bed79-4b48-4f30-a478-a71d8d03671f" providerId="ADAL" clId="{2F874B52-8066-4B61-AB68-ACA19954B74C}" dt="2025-07-08T06:30:20.492" v="301" actId="1037"/>
+          <ac:spMkLst>
+            <pc:docMk/>
+            <pc:sldMk cId="2086954834" sldId="256"/>
+            <ac:spMk id="71" creationId="{3C60D3B5-9616-FE5A-8AA4-79491C2EC611}"/>
+          </ac:spMkLst>
+        </pc:spChg>
+        <pc:spChg chg="del mod">
+          <ac:chgData name="Bruno Chaihuaque" userId="3a6bed79-4b48-4f30-a478-a71d8d03671f" providerId="ADAL" clId="{2F874B52-8066-4B61-AB68-ACA19954B74C}" dt="2025-07-08T06:25:12.499" v="219" actId="478"/>
+          <ac:spMkLst>
+            <pc:docMk/>
+            <pc:sldMk cId="2086954834" sldId="256"/>
+            <ac:spMk id="72" creationId="{60D0C22A-E7A9-D40B-27C9-42C4EDC17D45}"/>
+          </ac:spMkLst>
+        </pc:spChg>
+        <pc:spChg chg="add mod">
+          <ac:chgData name="Bruno Chaihuaque" userId="3a6bed79-4b48-4f30-a478-a71d8d03671f" providerId="ADAL" clId="{2F874B52-8066-4B61-AB68-ACA19954B74C}" dt="2025-07-08T06:30:20.492" v="301" actId="1037"/>
+          <ac:spMkLst>
+            <pc:docMk/>
+            <pc:sldMk cId="2086954834" sldId="256"/>
+            <ac:spMk id="82" creationId="{071CA326-88EA-4B8E-89C8-D6AB639B941D}"/>
+          </ac:spMkLst>
+        </pc:spChg>
+        <pc:spChg chg="add mod">
+          <ac:chgData name="Bruno Chaihuaque" userId="3a6bed79-4b48-4f30-a478-a71d8d03671f" providerId="ADAL" clId="{2F874B52-8066-4B61-AB68-ACA19954B74C}" dt="2025-07-08T06:30:20.492" v="301" actId="1037"/>
+          <ac:spMkLst>
+            <pc:docMk/>
+            <pc:sldMk cId="2086954834" sldId="256"/>
+            <ac:spMk id="84" creationId="{D67C3F20-BB8A-C53B-E647-FF61829E01CF}"/>
+          </ac:spMkLst>
+        </pc:spChg>
+        <pc:spChg chg="add mod">
+          <ac:chgData name="Bruno Chaihuaque" userId="3a6bed79-4b48-4f30-a478-a71d8d03671f" providerId="ADAL" clId="{2F874B52-8066-4B61-AB68-ACA19954B74C}" dt="2025-07-08T06:30:20.492" v="301" actId="1037"/>
+          <ac:spMkLst>
+            <pc:docMk/>
+            <pc:sldMk cId="2086954834" sldId="256"/>
+            <ac:spMk id="87" creationId="{806912F6-ED86-FE6D-B4EC-24EF0CDAE6E8}"/>
+          </ac:spMkLst>
+        </pc:spChg>
+        <pc:spChg chg="add mod">
+          <ac:chgData name="Bruno Chaihuaque" userId="3a6bed79-4b48-4f30-a478-a71d8d03671f" providerId="ADAL" clId="{2F874B52-8066-4B61-AB68-ACA19954B74C}" dt="2025-07-08T06:32:23.623" v="338" actId="1037"/>
+          <ac:spMkLst>
+            <pc:docMk/>
+            <pc:sldMk cId="2086954834" sldId="256"/>
+            <ac:spMk id="98" creationId="{3E1EE964-DF91-A491-6774-71DF73474F1D}"/>
+          </ac:spMkLst>
+        </pc:spChg>
+        <pc:spChg chg="add mod">
+          <ac:chgData name="Bruno Chaihuaque" userId="3a6bed79-4b48-4f30-a478-a71d8d03671f" providerId="ADAL" clId="{2F874B52-8066-4B61-AB68-ACA19954B74C}" dt="2025-07-08T06:32:29.309" v="339" actId="20577"/>
+          <ac:spMkLst>
+            <pc:docMk/>
+            <pc:sldMk cId="2086954834" sldId="256"/>
+            <ac:spMk id="99" creationId="{FC204D27-34AE-95F8-136F-E9EA4A4B2CAF}"/>
+          </ac:spMkLst>
+        </pc:spChg>
+        <pc:spChg chg="add mod">
+          <ac:chgData name="Bruno Chaihuaque" userId="3a6bed79-4b48-4f30-a478-a71d8d03671f" providerId="ADAL" clId="{2F874B52-8066-4B61-AB68-ACA19954B74C}" dt="2025-07-08T06:32:35.843" v="340" actId="20577"/>
+          <ac:spMkLst>
+            <pc:docMk/>
+            <pc:sldMk cId="2086954834" sldId="256"/>
+            <ac:spMk id="100" creationId="{EEDE3F6E-B3D3-CF06-02CC-24258C27D48B}"/>
+          </ac:spMkLst>
+        </pc:spChg>
+        <pc:spChg chg="add mod">
+          <ac:chgData name="Bruno Chaihuaque" userId="3a6bed79-4b48-4f30-a478-a71d8d03671f" providerId="ADAL" clId="{2F874B52-8066-4B61-AB68-ACA19954B74C}" dt="2025-07-08T06:32:45.060" v="341" actId="20577"/>
+          <ac:spMkLst>
+            <pc:docMk/>
+            <pc:sldMk cId="2086954834" sldId="256"/>
+            <ac:spMk id="101" creationId="{A8300F69-AFC9-10FE-9298-F15FD569B77B}"/>
+          </ac:spMkLst>
+        </pc:spChg>
+        <pc:spChg chg="add mod">
+          <ac:chgData name="Bruno Chaihuaque" userId="3a6bed79-4b48-4f30-a478-a71d8d03671f" providerId="ADAL" clId="{2F874B52-8066-4B61-AB68-ACA19954B74C}" dt="2025-07-08T06:32:49.147" v="342" actId="20577"/>
+          <ac:spMkLst>
+            <pc:docMk/>
+            <pc:sldMk cId="2086954834" sldId="256"/>
+            <ac:spMk id="102" creationId="{818EA0D0-D82E-5EB2-29A2-15DA36462A7D}"/>
+          </ac:spMkLst>
+        </pc:spChg>
+        <pc:spChg chg="add mod">
+          <ac:chgData name="Bruno Chaihuaque" userId="3a6bed79-4b48-4f30-a478-a71d8d03671f" providerId="ADAL" clId="{2F874B52-8066-4B61-AB68-ACA19954B74C}" dt="2025-07-08T06:32:53.235" v="343" actId="20577"/>
+          <ac:spMkLst>
+            <pc:docMk/>
+            <pc:sldMk cId="2086954834" sldId="256"/>
+            <ac:spMk id="103" creationId="{46FBAC84-C4E4-4217-4D40-5B07C6E5796B}"/>
+          </ac:spMkLst>
+        </pc:spChg>
+        <pc:spChg chg="add mod">
+          <ac:chgData name="Bruno Chaihuaque" userId="3a6bed79-4b48-4f30-a478-a71d8d03671f" providerId="ADAL" clId="{2F874B52-8066-4B61-AB68-ACA19954B74C}" dt="2025-07-08T06:39:45.943" v="451" actId="1038"/>
+          <ac:spMkLst>
+            <pc:docMk/>
+            <pc:sldMk cId="2086954834" sldId="256"/>
+            <ac:spMk id="117" creationId="{361F3705-794D-87CA-F158-CCCDB8904120}"/>
+          </ac:spMkLst>
+        </pc:spChg>
+        <pc:spChg chg="add mod">
+          <ac:chgData name="Bruno Chaihuaque" userId="3a6bed79-4b48-4f30-a478-a71d8d03671f" providerId="ADAL" clId="{2F874B52-8066-4B61-AB68-ACA19954B74C}" dt="2025-07-08T06:39:52.159" v="464" actId="1038"/>
+          <ac:spMkLst>
+            <pc:docMk/>
+            <pc:sldMk cId="2086954834" sldId="256"/>
+            <ac:spMk id="118" creationId="{7C3481F1-0E7C-3140-70FD-02A23C55690A}"/>
+          </ac:spMkLst>
+        </pc:spChg>
+        <pc:spChg chg="add mod">
+          <ac:chgData name="Bruno Chaihuaque" userId="3a6bed79-4b48-4f30-a478-a71d8d03671f" providerId="ADAL" clId="{2F874B52-8066-4B61-AB68-ACA19954B74C}" dt="2025-07-08T06:44:57.914" v="479" actId="20577"/>
+          <ac:spMkLst>
+            <pc:docMk/>
+            <pc:sldMk cId="2086954834" sldId="256"/>
+            <ac:spMk id="123" creationId="{794A6681-0730-8552-0A19-553FF14955F1}"/>
+          </ac:spMkLst>
+        </pc:spChg>
+        <pc:spChg chg="add mod">
+          <ac:chgData name="Bruno Chaihuaque" userId="3a6bed79-4b48-4f30-a478-a71d8d03671f" providerId="ADAL" clId="{2F874B52-8066-4B61-AB68-ACA19954B74C}" dt="2025-07-08T06:45:06.052" v="482" actId="20577"/>
+          <ac:spMkLst>
+            <pc:docMk/>
+            <pc:sldMk cId="2086954834" sldId="256"/>
+            <ac:spMk id="124" creationId="{ED49A021-7295-2803-3592-2CB2549EA070}"/>
+          </ac:spMkLst>
+        </pc:spChg>
+        <pc:spChg chg="add del mod">
+          <ac:chgData name="Bruno Chaihuaque" userId="3a6bed79-4b48-4f30-a478-a71d8d03671f" providerId="ADAL" clId="{2F874B52-8066-4B61-AB68-ACA19954B74C}" dt="2025-07-08T06:51:05.567" v="503" actId="478"/>
+          <ac:spMkLst>
+            <pc:docMk/>
+            <pc:sldMk cId="2086954834" sldId="256"/>
+            <ac:spMk id="125" creationId="{C434A76E-90F0-FE0B-1379-70A22BC9C513}"/>
+          </ac:spMkLst>
+        </pc:spChg>
+        <pc:spChg chg="add mod">
+          <ac:chgData name="Bruno Chaihuaque" userId="3a6bed79-4b48-4f30-a478-a71d8d03671f" providerId="ADAL" clId="{2F874B52-8066-4B61-AB68-ACA19954B74C}" dt="2025-07-08T06:51:28.582" v="531" actId="1037"/>
+          <ac:spMkLst>
+            <pc:docMk/>
+            <pc:sldMk cId="2086954834" sldId="256"/>
+            <ac:spMk id="126" creationId="{75C840B3-1208-93B4-ED9D-35ADDD9F6174}"/>
+          </ac:spMkLst>
+        </pc:spChg>
+        <pc:spChg chg="add mod">
+          <ac:chgData name="Bruno Chaihuaque" userId="3a6bed79-4b48-4f30-a478-a71d8d03671f" providerId="ADAL" clId="{2F874B52-8066-4B61-AB68-ACA19954B74C}" dt="2025-07-08T06:51:46.327" v="555" actId="1037"/>
+          <ac:spMkLst>
+            <pc:docMk/>
+            <pc:sldMk cId="2086954834" sldId="256"/>
+            <ac:spMk id="135" creationId="{193E08E6-0E03-99A0-5D43-4ACB2DF790C4}"/>
+          </ac:spMkLst>
+        </pc:spChg>
+        <pc:spChg chg="add mod">
+          <ac:chgData name="Bruno Chaihuaque" userId="3a6bed79-4b48-4f30-a478-a71d8d03671f" providerId="ADAL" clId="{2F874B52-8066-4B61-AB68-ACA19954B74C}" dt="2025-07-08T06:51:46.327" v="555" actId="1037"/>
+          <ac:spMkLst>
+            <pc:docMk/>
+            <pc:sldMk cId="2086954834" sldId="256"/>
+            <ac:spMk id="136" creationId="{B1D7E9EF-7DB1-951B-FC9E-881954BDCF9C}"/>
+          </ac:spMkLst>
+        </pc:spChg>
+        <pc:spChg chg="add mod">
+          <ac:chgData name="Bruno Chaihuaque" userId="3a6bed79-4b48-4f30-a478-a71d8d03671f" providerId="ADAL" clId="{2F874B52-8066-4B61-AB68-ACA19954B74C}" dt="2025-07-08T06:51:46.327" v="555" actId="1037"/>
+          <ac:spMkLst>
+            <pc:docMk/>
+            <pc:sldMk cId="2086954834" sldId="256"/>
+            <ac:spMk id="137" creationId="{6DF560E7-B620-C946-F42E-AB6B66BB8140}"/>
+          </ac:spMkLst>
+        </pc:spChg>
+        <pc:spChg chg="add mod">
+          <ac:chgData name="Bruno Chaihuaque" userId="3a6bed79-4b48-4f30-a478-a71d8d03671f" providerId="ADAL" clId="{2F874B52-8066-4B61-AB68-ACA19954B74C}" dt="2025-07-08T06:52:30.077" v="559" actId="20577"/>
+          <ac:spMkLst>
+            <pc:docMk/>
+            <pc:sldMk cId="2086954834" sldId="256"/>
+            <ac:spMk id="144" creationId="{DB91CFC1-AB89-65BF-855C-E24A1A40F60E}"/>
+          </ac:spMkLst>
+        </pc:spChg>
+        <pc:spChg chg="add mod">
+          <ac:chgData name="Bruno Chaihuaque" userId="3a6bed79-4b48-4f30-a478-a71d8d03671f" providerId="ADAL" clId="{2F874B52-8066-4B61-AB68-ACA19954B74C}" dt="2025-07-08T07:33:53.559" v="596" actId="20577"/>
+          <ac:spMkLst>
+            <pc:docMk/>
+            <pc:sldMk cId="2086954834" sldId="256"/>
+            <ac:spMk id="147" creationId="{7C3905B8-65DF-1DBF-5688-8D4BD34189C9}"/>
+          </ac:spMkLst>
+        </pc:spChg>
+        <pc:spChg chg="add mod">
+          <ac:chgData name="Bruno Chaihuaque" userId="3a6bed79-4b48-4f30-a478-a71d8d03671f" providerId="ADAL" clId="{2F874B52-8066-4B61-AB68-ACA19954B74C}" dt="2025-07-08T07:34:21.276" v="600" actId="20577"/>
+          <ac:spMkLst>
+            <pc:docMk/>
+            <pc:sldMk cId="2086954834" sldId="256"/>
+            <ac:spMk id="148" creationId="{94C41AD1-97C3-2659-2B36-30217DBB2589}"/>
+          </ac:spMkLst>
+        </pc:spChg>
+        <pc:spChg chg="add mod">
+          <ac:chgData name="Bruno Chaihuaque" userId="3a6bed79-4b48-4f30-a478-a71d8d03671f" providerId="ADAL" clId="{2F874B52-8066-4B61-AB68-ACA19954B74C}" dt="2025-07-08T07:34:37.406" v="604" actId="20577"/>
+          <ac:spMkLst>
+            <pc:docMk/>
+            <pc:sldMk cId="2086954834" sldId="256"/>
+            <ac:spMk id="149" creationId="{55D6BA2C-3D59-89EF-FB04-BD6BC19ECD97}"/>
+          </ac:spMkLst>
+        </pc:spChg>
+        <pc:spChg chg="add mod">
+          <ac:chgData name="Bruno Chaihuaque" userId="3a6bed79-4b48-4f30-a478-a71d8d03671f" providerId="ADAL" clId="{2F874B52-8066-4B61-AB68-ACA19954B74C}" dt="2025-07-08T07:33:48.536" v="595" actId="20577"/>
+          <ac:spMkLst>
+            <pc:docMk/>
+            <pc:sldMk cId="2086954834" sldId="256"/>
+            <ac:spMk id="156" creationId="{AE23BAB9-B976-1A62-BA35-B7831C5BCA55}"/>
+          </ac:spMkLst>
+        </pc:spChg>
+        <pc:spChg chg="add mod">
+          <ac:chgData name="Bruno Chaihuaque" userId="3a6bed79-4b48-4f30-a478-a71d8d03671f" providerId="ADAL" clId="{2F874B52-8066-4B61-AB68-ACA19954B74C}" dt="2025-07-08T07:34:15.807" v="599" actId="20577"/>
+          <ac:spMkLst>
+            <pc:docMk/>
+            <pc:sldMk cId="2086954834" sldId="256"/>
+            <ac:spMk id="157" creationId="{7F0C9C10-3449-B3CD-C816-8F00621F7326}"/>
+          </ac:spMkLst>
+        </pc:spChg>
+        <pc:spChg chg="add mod">
+          <ac:chgData name="Bruno Chaihuaque" userId="3a6bed79-4b48-4f30-a478-a71d8d03671f" providerId="ADAL" clId="{2F874B52-8066-4B61-AB68-ACA19954B74C}" dt="2025-07-08T07:34:33.316" v="603" actId="20577"/>
+          <ac:spMkLst>
+            <pc:docMk/>
+            <pc:sldMk cId="2086954834" sldId="256"/>
+            <ac:spMk id="158" creationId="{7604E76B-268C-B243-E8B2-1A44952B5856}"/>
+          </ac:spMkLst>
+        </pc:spChg>
+        <pc:cxnChg chg="mod">
+          <ac:chgData name="Bruno Chaihuaque" userId="3a6bed79-4b48-4f30-a478-a71d8d03671f" providerId="ADAL" clId="{2F874B52-8066-4B61-AB68-ACA19954B74C}" dt="2025-07-08T06:30:20.492" v="301" actId="1037"/>
+          <ac:cxnSpMkLst>
+            <pc:docMk/>
+            <pc:sldMk cId="2086954834" sldId="256"/>
+            <ac:cxnSpMk id="5" creationId="{AD0CA27A-5EDE-F2E4-D99B-E4F7EDCC9848}"/>
+          </ac:cxnSpMkLst>
+        </pc:cxnChg>
+        <pc:cxnChg chg="mod">
+          <ac:chgData name="Bruno Chaihuaque" userId="3a6bed79-4b48-4f30-a478-a71d8d03671f" providerId="ADAL" clId="{2F874B52-8066-4B61-AB68-ACA19954B74C}" dt="2025-07-08T06:30:20.492" v="301" actId="1037"/>
+          <ac:cxnSpMkLst>
+            <pc:docMk/>
+            <pc:sldMk cId="2086954834" sldId="256"/>
+            <ac:cxnSpMk id="6" creationId="{C95FA2ED-528B-E007-11CF-DA60FE2A29EA}"/>
+          </ac:cxnSpMkLst>
+        </pc:cxnChg>
+        <pc:cxnChg chg="mod">
+          <ac:chgData name="Bruno Chaihuaque" userId="3a6bed79-4b48-4f30-a478-a71d8d03671f" providerId="ADAL" clId="{2F874B52-8066-4B61-AB68-ACA19954B74C}" dt="2025-07-08T06:29:25.098" v="285" actId="14100"/>
+          <ac:cxnSpMkLst>
+            <pc:docMk/>
+            <pc:sldMk cId="2086954834" sldId="256"/>
+            <ac:cxnSpMk id="7" creationId="{14039362-F2D8-5ADB-AC09-A5C9BBE591DC}"/>
+          </ac:cxnSpMkLst>
+        </pc:cxnChg>
+        <pc:cxnChg chg="mod">
+          <ac:chgData name="Bruno Chaihuaque" userId="3a6bed79-4b48-4f30-a478-a71d8d03671f" providerId="ADAL" clId="{2F874B52-8066-4B61-AB68-ACA19954B74C}" dt="2025-07-08T06:30:32.904" v="303" actId="14100"/>
+          <ac:cxnSpMkLst>
+            <pc:docMk/>
+            <pc:sldMk cId="2086954834" sldId="256"/>
+            <ac:cxnSpMk id="8" creationId="{3BF91E97-F61D-7CDD-6330-877F902B9C7D}"/>
+          </ac:cxnSpMkLst>
+        </pc:cxnChg>
+        <pc:cxnChg chg="mod">
+          <ac:chgData name="Bruno Chaihuaque" userId="3a6bed79-4b48-4f30-a478-a71d8d03671f" providerId="ADAL" clId="{2F874B52-8066-4B61-AB68-ACA19954B74C}" dt="2025-07-08T06:29:54.377" v="293" actId="14100"/>
+          <ac:cxnSpMkLst>
+            <pc:docMk/>
+            <pc:sldMk cId="2086954834" sldId="256"/>
+            <ac:cxnSpMk id="9" creationId="{BB94C507-024E-C56F-2592-9F9BE61B5331}"/>
+          </ac:cxnSpMkLst>
+        </pc:cxnChg>
+        <pc:cxnChg chg="mod">
+          <ac:chgData name="Bruno Chaihuaque" userId="3a6bed79-4b48-4f30-a478-a71d8d03671f" providerId="ADAL" clId="{2F874B52-8066-4B61-AB68-ACA19954B74C}" dt="2025-07-08T06:34:54.740" v="356" actId="14100"/>
+          <ac:cxnSpMkLst>
+            <pc:docMk/>
+            <pc:sldMk cId="2086954834" sldId="256"/>
+            <ac:cxnSpMk id="10" creationId="{4F1AF8BF-EF73-0071-659E-C48FB0174576}"/>
+          </ac:cxnSpMkLst>
+        </pc:cxnChg>
+        <pc:cxnChg chg="del mod">
+          <ac:chgData name="Bruno Chaihuaque" userId="3a6bed79-4b48-4f30-a478-a71d8d03671f" providerId="ADAL" clId="{2F874B52-8066-4B61-AB68-ACA19954B74C}" dt="2025-07-08T05:47:56.814" v="1" actId="478"/>
+          <ac:cxnSpMkLst>
+            <pc:docMk/>
+            <pc:sldMk cId="2086954834" sldId="256"/>
+            <ac:cxnSpMk id="56" creationId="{95DD01D2-A01F-4E91-3AE2-18DCA6F9534B}"/>
+          </ac:cxnSpMkLst>
+        </pc:cxnChg>
+        <pc:cxnChg chg="add mod">
+          <ac:chgData name="Bruno Chaihuaque" userId="3a6bed79-4b48-4f30-a478-a71d8d03671f" providerId="ADAL" clId="{2F874B52-8066-4B61-AB68-ACA19954B74C}" dt="2025-07-08T06:24:29.204" v="208" actId="208"/>
+          <ac:cxnSpMkLst>
+            <pc:docMk/>
+            <pc:sldMk cId="2086954834" sldId="256"/>
+            <ac:cxnSpMk id="67" creationId="{457CA34A-A953-2C32-28D2-4D358940F709}"/>
+          </ac:cxnSpMkLst>
+        </pc:cxnChg>
+        <pc:cxnChg chg="add mod">
+          <ac:chgData name="Bruno Chaihuaque" userId="3a6bed79-4b48-4f30-a478-a71d8d03671f" providerId="ADAL" clId="{2F874B52-8066-4B61-AB68-ACA19954B74C}" dt="2025-07-08T06:24:35.183" v="210" actId="208"/>
+          <ac:cxnSpMkLst>
+            <pc:docMk/>
+            <pc:sldMk cId="2086954834" sldId="256"/>
+            <ac:cxnSpMk id="69" creationId="{64862FCB-E9A1-919D-FA97-884AEAB56125}"/>
+          </ac:cxnSpMkLst>
+        </pc:cxnChg>
+        <pc:cxnChg chg="mod">
+          <ac:chgData name="Bruno Chaihuaque" userId="3a6bed79-4b48-4f30-a478-a71d8d03671f" providerId="ADAL" clId="{2F874B52-8066-4B61-AB68-ACA19954B74C}" dt="2025-07-08T06:30:20.492" v="301" actId="1037"/>
+          <ac:cxnSpMkLst>
+            <pc:docMk/>
+            <pc:sldMk cId="2086954834" sldId="256"/>
+            <ac:cxnSpMk id="74" creationId="{AB4C59EA-E321-50AB-2DB6-0230FE964B3C}"/>
+          </ac:cxnSpMkLst>
+        </pc:cxnChg>
+        <pc:cxnChg chg="add mod">
+          <ac:chgData name="Bruno Chaihuaque" userId="3a6bed79-4b48-4f30-a478-a71d8d03671f" providerId="ADAL" clId="{2F874B52-8066-4B61-AB68-ACA19954B74C}" dt="2025-07-08T06:24:40.661" v="212" actId="208"/>
+          <ac:cxnSpMkLst>
+            <pc:docMk/>
+            <pc:sldMk cId="2086954834" sldId="256"/>
+            <ac:cxnSpMk id="75" creationId="{D58190E1-CA2C-98F9-B54F-19B1E63D5BBC}"/>
+          </ac:cxnSpMkLst>
+        </pc:cxnChg>
+        <pc:cxnChg chg="mod">
+          <ac:chgData name="Bruno Chaihuaque" userId="3a6bed79-4b48-4f30-a478-a71d8d03671f" providerId="ADAL" clId="{2F874B52-8066-4B61-AB68-ACA19954B74C}" dt="2025-07-08T06:30:20.492" v="301" actId="1037"/>
+          <ac:cxnSpMkLst>
+            <pc:docMk/>
+            <pc:sldMk cId="2086954834" sldId="256"/>
+            <ac:cxnSpMk id="76" creationId="{3EE9EE4D-5F19-8921-00C9-C3B773083C7E}"/>
+          </ac:cxnSpMkLst>
+        </pc:cxnChg>
+        <pc:cxnChg chg="add mod">
+          <ac:chgData name="Bruno Chaihuaque" userId="3a6bed79-4b48-4f30-a478-a71d8d03671f" providerId="ADAL" clId="{2F874B52-8066-4B61-AB68-ACA19954B74C}" dt="2025-07-08T06:24:46.720" v="214" actId="208"/>
+          <ac:cxnSpMkLst>
+            <pc:docMk/>
+            <pc:sldMk cId="2086954834" sldId="256"/>
+            <ac:cxnSpMk id="78" creationId="{6B95D061-077B-DC82-A89D-5FB17B5E1FEE}"/>
+          </ac:cxnSpMkLst>
+        </pc:cxnChg>
+        <pc:cxnChg chg="add mod">
+          <ac:chgData name="Bruno Chaihuaque" userId="3a6bed79-4b48-4f30-a478-a71d8d03671f" providerId="ADAL" clId="{2F874B52-8066-4B61-AB68-ACA19954B74C}" dt="2025-07-08T06:24:54.553" v="216" actId="208"/>
+          <ac:cxnSpMkLst>
+            <pc:docMk/>
+            <pc:sldMk cId="2086954834" sldId="256"/>
+            <ac:cxnSpMk id="80" creationId="{9E2C9039-EE00-9627-0EF1-1CFAAF642582}"/>
+          </ac:cxnSpMkLst>
+        </pc:cxnChg>
+        <pc:cxnChg chg="add mod">
+          <ac:chgData name="Bruno Chaihuaque" userId="3a6bed79-4b48-4f30-a478-a71d8d03671f" providerId="ADAL" clId="{2F874B52-8066-4B61-AB68-ACA19954B74C}" dt="2025-07-08T06:30:20.492" v="301" actId="1037"/>
+          <ac:cxnSpMkLst>
+            <pc:docMk/>
+            <pc:sldMk cId="2086954834" sldId="256"/>
+            <ac:cxnSpMk id="86" creationId="{2168C9FF-2392-BB67-32E9-27D34057A65A}"/>
+          </ac:cxnSpMkLst>
+        </pc:cxnChg>
+        <pc:cxnChg chg="add mod">
+          <ac:chgData name="Bruno Chaihuaque" userId="3a6bed79-4b48-4f30-a478-a71d8d03671f" providerId="ADAL" clId="{2F874B52-8066-4B61-AB68-ACA19954B74C}" dt="2025-07-08T06:33:01.958" v="345" actId="208"/>
+          <ac:cxnSpMkLst>
+            <pc:docMk/>
+            <pc:sldMk cId="2086954834" sldId="256"/>
+            <ac:cxnSpMk id="105" creationId="{BB4526C0-293C-6520-FB52-EFE754D9EADE}"/>
+          </ac:cxnSpMkLst>
+        </pc:cxnChg>
+        <pc:cxnChg chg="add mod">
+          <ac:chgData name="Bruno Chaihuaque" userId="3a6bed79-4b48-4f30-a478-a71d8d03671f" providerId="ADAL" clId="{2F874B52-8066-4B61-AB68-ACA19954B74C}" dt="2025-07-08T06:33:09.326" v="347" actId="208"/>
+          <ac:cxnSpMkLst>
+            <pc:docMk/>
+            <pc:sldMk cId="2086954834" sldId="256"/>
+            <ac:cxnSpMk id="107" creationId="{CE199B5B-3ED1-86A6-921C-AF3859656096}"/>
+          </ac:cxnSpMkLst>
+        </pc:cxnChg>
+        <pc:cxnChg chg="add mod">
+          <ac:chgData name="Bruno Chaihuaque" userId="3a6bed79-4b48-4f30-a478-a71d8d03671f" providerId="ADAL" clId="{2F874B52-8066-4B61-AB68-ACA19954B74C}" dt="2025-07-08T06:33:15.006" v="349" actId="208"/>
+          <ac:cxnSpMkLst>
+            <pc:docMk/>
+            <pc:sldMk cId="2086954834" sldId="256"/>
+            <ac:cxnSpMk id="109" creationId="{0A81650C-C0CB-C814-04B4-A662CF7F5F7B}"/>
+          </ac:cxnSpMkLst>
+        </pc:cxnChg>
+        <pc:cxnChg chg="add mod">
+          <ac:chgData name="Bruno Chaihuaque" userId="3a6bed79-4b48-4f30-a478-a71d8d03671f" providerId="ADAL" clId="{2F874B52-8066-4B61-AB68-ACA19954B74C}" dt="2025-07-08T06:33:20.468" v="351" actId="208"/>
+          <ac:cxnSpMkLst>
+            <pc:docMk/>
+            <pc:sldMk cId="2086954834" sldId="256"/>
+            <ac:cxnSpMk id="111" creationId="{56BD97FC-9C0B-DAE1-3916-13A1A665E9BD}"/>
+          </ac:cxnSpMkLst>
+        </pc:cxnChg>
+        <pc:cxnChg chg="add mod">
+          <ac:chgData name="Bruno Chaihuaque" userId="3a6bed79-4b48-4f30-a478-a71d8d03671f" providerId="ADAL" clId="{2F874B52-8066-4B61-AB68-ACA19954B74C}" dt="2025-07-08T06:33:26.060" v="353" actId="208"/>
+          <ac:cxnSpMkLst>
+            <pc:docMk/>
+            <pc:sldMk cId="2086954834" sldId="256"/>
+            <ac:cxnSpMk id="113" creationId="{A8622ABC-8E5E-93D0-9CC1-BDF693CC4AD5}"/>
+          </ac:cxnSpMkLst>
+        </pc:cxnChg>
+        <pc:cxnChg chg="add mod">
+          <ac:chgData name="Bruno Chaihuaque" userId="3a6bed79-4b48-4f30-a478-a71d8d03671f" providerId="ADAL" clId="{2F874B52-8066-4B61-AB68-ACA19954B74C}" dt="2025-07-08T06:33:31.404" v="355" actId="208"/>
+          <ac:cxnSpMkLst>
+            <pc:docMk/>
+            <pc:sldMk cId="2086954834" sldId="256"/>
+            <ac:cxnSpMk id="115" creationId="{B6C5D596-5EEE-F2A3-9BAA-65513A6272BD}"/>
+          </ac:cxnSpMkLst>
+        </pc:cxnChg>
+        <pc:cxnChg chg="add mod">
+          <ac:chgData name="Bruno Chaihuaque" userId="3a6bed79-4b48-4f30-a478-a71d8d03671f" providerId="ADAL" clId="{2F874B52-8066-4B61-AB68-ACA19954B74C}" dt="2025-07-08T06:39:45.943" v="451" actId="1038"/>
+          <ac:cxnSpMkLst>
+            <pc:docMk/>
+            <pc:sldMk cId="2086954834" sldId="256"/>
+            <ac:cxnSpMk id="120" creationId="{677F5FF5-66F4-C5E7-E05C-2D1E61B8F3EE}"/>
+          </ac:cxnSpMkLst>
+        </pc:cxnChg>
+        <pc:cxnChg chg="add mod">
+          <ac:chgData name="Bruno Chaihuaque" userId="3a6bed79-4b48-4f30-a478-a71d8d03671f" providerId="ADAL" clId="{2F874B52-8066-4B61-AB68-ACA19954B74C}" dt="2025-07-08T06:39:52.159" v="464" actId="1038"/>
+          <ac:cxnSpMkLst>
+            <pc:docMk/>
+            <pc:sldMk cId="2086954834" sldId="256"/>
+            <ac:cxnSpMk id="122" creationId="{FDCA3159-AA12-ABAF-9940-951F1BA08EDE}"/>
+          </ac:cxnSpMkLst>
+        </pc:cxnChg>
+        <pc:cxnChg chg="add mod">
+          <ac:chgData name="Bruno Chaihuaque" userId="3a6bed79-4b48-4f30-a478-a71d8d03671f" providerId="ADAL" clId="{2F874B52-8066-4B61-AB68-ACA19954B74C}" dt="2025-07-08T06:44:21.788" v="472" actId="208"/>
+          <ac:cxnSpMkLst>
+            <pc:docMk/>
+            <pc:sldMk cId="2086954834" sldId="256"/>
+            <ac:cxnSpMk id="128" creationId="{861DD341-CDFF-EA94-55C5-52E5D19D7790}"/>
+          </ac:cxnSpMkLst>
+        </pc:cxnChg>
+        <pc:cxnChg chg="add mod">
+          <ac:chgData name="Bruno Chaihuaque" userId="3a6bed79-4b48-4f30-a478-a71d8d03671f" providerId="ADAL" clId="{2F874B52-8066-4B61-AB68-ACA19954B74C}" dt="2025-07-08T06:44:26.781" v="474" actId="208"/>
+          <ac:cxnSpMkLst>
+            <pc:docMk/>
+            <pc:sldMk cId="2086954834" sldId="256"/>
+            <ac:cxnSpMk id="130" creationId="{CEA05E5C-BD0F-2C89-1450-667106B26F99}"/>
+          </ac:cxnSpMkLst>
+        </pc:cxnChg>
+        <pc:cxnChg chg="add del mod">
+          <ac:chgData name="Bruno Chaihuaque" userId="3a6bed79-4b48-4f30-a478-a71d8d03671f" providerId="ADAL" clId="{2F874B52-8066-4B61-AB68-ACA19954B74C}" dt="2025-07-08T06:51:14.587" v="504" actId="478"/>
+          <ac:cxnSpMkLst>
+            <pc:docMk/>
+            <pc:sldMk cId="2086954834" sldId="256"/>
+            <ac:cxnSpMk id="132" creationId="{5E532FA8-A707-6531-DEBA-91433CDE35EF}"/>
+          </ac:cxnSpMkLst>
+        </pc:cxnChg>
+        <pc:cxnChg chg="add mod">
+          <ac:chgData name="Bruno Chaihuaque" userId="3a6bed79-4b48-4f30-a478-a71d8d03671f" providerId="ADAL" clId="{2F874B52-8066-4B61-AB68-ACA19954B74C}" dt="2025-07-08T06:51:28.582" v="531" actId="1037"/>
+          <ac:cxnSpMkLst>
+            <pc:docMk/>
+            <pc:sldMk cId="2086954834" sldId="256"/>
+            <ac:cxnSpMk id="134" creationId="{F0D409A6-0987-714C-A964-65E216A92059}"/>
+          </ac:cxnSpMkLst>
+        </pc:cxnChg>
+        <pc:cxnChg chg="add mod">
+          <ac:chgData name="Bruno Chaihuaque" userId="3a6bed79-4b48-4f30-a478-a71d8d03671f" providerId="ADAL" clId="{2F874B52-8066-4B61-AB68-ACA19954B74C}" dt="2025-07-08T06:51:46.327" v="555" actId="1037"/>
+          <ac:cxnSpMkLst>
+            <pc:docMk/>
+            <pc:sldMk cId="2086954834" sldId="256"/>
+            <ac:cxnSpMk id="139" creationId="{28A0AE5E-A660-AC56-D74C-4BCA4405C1E9}"/>
+          </ac:cxnSpMkLst>
+        </pc:cxnChg>
+        <pc:cxnChg chg="add mod">
+          <ac:chgData name="Bruno Chaihuaque" userId="3a6bed79-4b48-4f30-a478-a71d8d03671f" providerId="ADAL" clId="{2F874B52-8066-4B61-AB68-ACA19954B74C}" dt="2025-07-08T06:51:46.327" v="555" actId="1037"/>
+          <ac:cxnSpMkLst>
+            <pc:docMk/>
+            <pc:sldMk cId="2086954834" sldId="256"/>
+            <ac:cxnSpMk id="141" creationId="{9DB513A1-4C9A-7F2E-8056-BD6884AC530B}"/>
+          </ac:cxnSpMkLst>
+        </pc:cxnChg>
+        <pc:cxnChg chg="add mod">
+          <ac:chgData name="Bruno Chaihuaque" userId="3a6bed79-4b48-4f30-a478-a71d8d03671f" providerId="ADAL" clId="{2F874B52-8066-4B61-AB68-ACA19954B74C}" dt="2025-07-08T06:51:46.327" v="555" actId="1037"/>
+          <ac:cxnSpMkLst>
+            <pc:docMk/>
+            <pc:sldMk cId="2086954834" sldId="256"/>
+            <ac:cxnSpMk id="143" creationId="{831F2E2D-4DEE-FA9A-FC76-0DBB5230A7AA}"/>
+          </ac:cxnSpMkLst>
+        </pc:cxnChg>
+        <pc:cxnChg chg="add mod">
+          <ac:chgData name="Bruno Chaihuaque" userId="3a6bed79-4b48-4f30-a478-a71d8d03671f" providerId="ADAL" clId="{2F874B52-8066-4B61-AB68-ACA19954B74C}" dt="2025-07-08T06:52:37.077" v="561" actId="208"/>
+          <ac:cxnSpMkLst>
+            <pc:docMk/>
+            <pc:sldMk cId="2086954834" sldId="256"/>
+            <ac:cxnSpMk id="146" creationId="{8043148A-1D92-7140-F281-FFB2BA5BA6C1}"/>
+          </ac:cxnSpMkLst>
+        </pc:cxnChg>
+        <pc:cxnChg chg="add mod">
+          <ac:chgData name="Bruno Chaihuaque" userId="3a6bed79-4b48-4f30-a478-a71d8d03671f" providerId="ADAL" clId="{2F874B52-8066-4B61-AB68-ACA19954B74C}" dt="2025-07-08T06:54:23.184" v="572" actId="208"/>
+          <ac:cxnSpMkLst>
+            <pc:docMk/>
+            <pc:sldMk cId="2086954834" sldId="256"/>
+            <ac:cxnSpMk id="151" creationId="{B17D8525-758C-42BD-036D-91675A84EF1F}"/>
+          </ac:cxnSpMkLst>
+        </pc:cxnChg>
+        <pc:cxnChg chg="add mod">
+          <ac:chgData name="Bruno Chaihuaque" userId="3a6bed79-4b48-4f30-a478-a71d8d03671f" providerId="ADAL" clId="{2F874B52-8066-4B61-AB68-ACA19954B74C}" dt="2025-07-08T06:54:27.563" v="574" actId="208"/>
+          <ac:cxnSpMkLst>
+            <pc:docMk/>
+            <pc:sldMk cId="2086954834" sldId="256"/>
+            <ac:cxnSpMk id="153" creationId="{2F666BEC-157F-4B0E-69A9-4F2E2F0E0550}"/>
+          </ac:cxnSpMkLst>
+        </pc:cxnChg>
+        <pc:cxnChg chg="add mod">
+          <ac:chgData name="Bruno Chaihuaque" userId="3a6bed79-4b48-4f30-a478-a71d8d03671f" providerId="ADAL" clId="{2F874B52-8066-4B61-AB68-ACA19954B74C}" dt="2025-07-08T06:54:31.832" v="576" actId="208"/>
+          <ac:cxnSpMkLst>
+            <pc:docMk/>
+            <pc:sldMk cId="2086954834" sldId="256"/>
+            <ac:cxnSpMk id="155" creationId="{B70F3EC1-7F9B-AF80-6A6F-A3FCA881417D}"/>
+          </ac:cxnSpMkLst>
+        </pc:cxnChg>
+        <pc:cxnChg chg="add del mod">
+          <ac:chgData name="Bruno Chaihuaque" userId="3a6bed79-4b48-4f30-a478-a71d8d03671f" providerId="ADAL" clId="{2F874B52-8066-4B61-AB68-ACA19954B74C}" dt="2025-07-08T06:59:59.571" v="579" actId="478"/>
+          <ac:cxnSpMkLst>
+            <pc:docMk/>
+            <pc:sldMk cId="2086954834" sldId="256"/>
+            <ac:cxnSpMk id="159" creationId="{EA6AD2D3-1D84-0A82-2AE3-1DC10613FAC7}"/>
+          </ac:cxnSpMkLst>
+        </pc:cxnChg>
+        <pc:cxnChg chg="add mod">
+          <ac:chgData name="Bruno Chaihuaque" userId="3a6bed79-4b48-4f30-a478-a71d8d03671f" providerId="ADAL" clId="{2F874B52-8066-4B61-AB68-ACA19954B74C}" dt="2025-07-08T07:00:09.160" v="581" actId="208"/>
+          <ac:cxnSpMkLst>
+            <pc:docMk/>
+            <pc:sldMk cId="2086954834" sldId="256"/>
+            <ac:cxnSpMk id="161" creationId="{8551F2B1-2724-59E7-FE98-797E95BA0B82}"/>
+          </ac:cxnSpMkLst>
+        </pc:cxnChg>
+        <pc:cxnChg chg="add mod">
+          <ac:chgData name="Bruno Chaihuaque" userId="3a6bed79-4b48-4f30-a478-a71d8d03671f" providerId="ADAL" clId="{2F874B52-8066-4B61-AB68-ACA19954B74C}" dt="2025-07-08T07:00:13.320" v="583" actId="208"/>
+          <ac:cxnSpMkLst>
+            <pc:docMk/>
+            <pc:sldMk cId="2086954834" sldId="256"/>
+            <ac:cxnSpMk id="163" creationId="{8EF645CB-8935-9196-A572-E07953383ACA}"/>
+          </ac:cxnSpMkLst>
+        </pc:cxnChg>
+        <pc:cxnChg chg="add mod">
+          <ac:chgData name="Bruno Chaihuaque" userId="3a6bed79-4b48-4f30-a478-a71d8d03671f" providerId="ADAL" clId="{2F874B52-8066-4B61-AB68-ACA19954B74C}" dt="2025-07-08T07:00:22.927" v="586" actId="208"/>
+          <ac:cxnSpMkLst>
+            <pc:docMk/>
+            <pc:sldMk cId="2086954834" sldId="256"/>
+            <ac:cxnSpMk id="165" creationId="{3229F244-4AF5-9588-7F28-566155B64FF3}"/>
+          </ac:cxnSpMkLst>
+        </pc:cxnChg>
+      </pc:sldChg>
+    </pc:docChg>
+  </pc:docChgLst>
+</pc:chgInfo>
 </file>
 
 <file path=ppt/slideLayouts/slideLayout1.xml><?xml version="1.0" encoding="utf-8"?>
@@ -2978,13 +3612,14 @@
           <p:cNvCxnSpPr>
             <a:cxnSpLocks/>
             <a:stCxn id="57" idx="6"/>
+            <a:endCxn id="71" idx="2"/>
           </p:cNvCxnSpPr>
           <p:nvPr/>
         </p:nvCxnSpPr>
         <p:spPr>
           <a:xfrm>
             <a:off x="2801885" y="2448316"/>
-            <a:ext cx="3451895" cy="862057"/>
+            <a:ext cx="3078251" cy="855178"/>
           </a:xfrm>
           <a:prstGeom prst="straightConnector1">
             <a:avLst/>
@@ -3023,13 +3658,14 @@
           <p:cNvCxnSpPr>
             <a:cxnSpLocks/>
             <a:stCxn id="58" idx="6"/>
+            <a:endCxn id="71" idx="2"/>
           </p:cNvCxnSpPr>
           <p:nvPr/>
         </p:nvCxnSpPr>
         <p:spPr>
           <a:xfrm flipV="1">
-            <a:off x="2806197" y="3310373"/>
-            <a:ext cx="3447583" cy="800610"/>
+            <a:off x="2806197" y="3303494"/>
+            <a:ext cx="3073939" cy="807489"/>
           </a:xfrm>
           <a:prstGeom prst="straightConnector1">
             <a:avLst/>
@@ -3068,13 +3704,14 @@
           <p:cNvCxnSpPr>
             <a:cxnSpLocks/>
             <a:stCxn id="59" idx="0"/>
+            <a:endCxn id="71" idx="2"/>
           </p:cNvCxnSpPr>
           <p:nvPr/>
         </p:nvCxnSpPr>
         <p:spPr>
           <a:xfrm flipV="1">
-            <a:off x="2992545" y="3310373"/>
-            <a:ext cx="3261235" cy="2331533"/>
+            <a:off x="2992545" y="3303494"/>
+            <a:ext cx="2887591" cy="2338412"/>
           </a:xfrm>
           <a:prstGeom prst="straightConnector1">
             <a:avLst/>
@@ -3112,13 +3749,14 @@
           </p:cNvPr>
           <p:cNvCxnSpPr>
             <a:cxnSpLocks/>
+            <a:stCxn id="24" idx="4"/>
           </p:cNvCxnSpPr>
           <p:nvPr/>
         </p:nvCxnSpPr>
         <p:spPr>
           <a:xfrm flipH="1">
-            <a:off x="4572000" y="1998009"/>
-            <a:ext cx="443759" cy="871376"/>
+            <a:off x="4489006" y="1983184"/>
+            <a:ext cx="502295" cy="915625"/>
           </a:xfrm>
           <a:prstGeom prst="straightConnector1">
             <a:avLst/>
@@ -3157,13 +3795,14 @@
           </p:cNvPr>
           <p:cNvCxnSpPr>
             <a:cxnSpLocks/>
+            <a:stCxn id="24" idx="4"/>
           </p:cNvCxnSpPr>
           <p:nvPr/>
         </p:nvCxnSpPr>
         <p:spPr>
           <a:xfrm flipH="1">
-            <a:off x="4955450" y="1998009"/>
-            <a:ext cx="95330" cy="1581149"/>
+            <a:off x="4955450" y="1983184"/>
+            <a:ext cx="35851" cy="1595974"/>
           </a:xfrm>
           <a:prstGeom prst="straightConnector1">
             <a:avLst/>
@@ -3202,14 +3841,14 @@
           </p:cNvPr>
           <p:cNvCxnSpPr>
             <a:cxnSpLocks/>
-            <a:endCxn id="16" idx="1"/>
+            <a:stCxn id="24" idx="4"/>
           </p:cNvCxnSpPr>
           <p:nvPr/>
         </p:nvCxnSpPr>
         <p:spPr>
           <a:xfrm>
-            <a:off x="5023441" y="1981867"/>
-            <a:ext cx="345951" cy="1879682"/>
+            <a:off x="4991301" y="1983184"/>
+            <a:ext cx="225767" cy="1901448"/>
           </a:xfrm>
           <a:prstGeom prst="straightConnector1">
             <a:avLst/>
@@ -3431,7 +4070,7 @@
         </p:nvSpPr>
         <p:spPr>
           <a:xfrm>
-            <a:off x="5369392" y="3707660"/>
+            <a:off x="5122417" y="3149605"/>
             <a:ext cx="388248" cy="307777"/>
           </a:xfrm>
           <a:prstGeom prst="rect">
@@ -5367,114 +6006,6 @@
       </p:cxnSp>
       <p:sp>
         <p:nvSpPr>
-          <p:cNvPr id="55" name="Rectángulo 39">
-            <a:extLst>
-              <a:ext uri="{FF2B5EF4-FFF2-40B4-BE49-F238E27FC236}">
-                <a16:creationId xmlns:a16="http://schemas.microsoft.com/office/drawing/2014/main" id="{8DB94E5E-5120-92CE-13A2-3E6B68BA4FC5}"/>
-              </a:ext>
-            </a:extLst>
-          </p:cNvPr>
-          <p:cNvSpPr/>
-          <p:nvPr/>
-        </p:nvSpPr>
-        <p:spPr>
-          <a:xfrm>
-            <a:off x="4744303" y="184999"/>
-            <a:ext cx="422294" cy="347942"/>
-          </a:xfrm>
-          <a:prstGeom prst="rect">
-            <a:avLst/>
-          </a:prstGeom>
-          <a:noFill/>
-          <a:ln>
-            <a:solidFill>
-              <a:schemeClr val="tx1"/>
-            </a:solidFill>
-          </a:ln>
-        </p:spPr>
-        <p:style>
-          <a:lnRef idx="2">
-            <a:schemeClr val="accent1">
-              <a:shade val="50000"/>
-            </a:schemeClr>
-          </a:lnRef>
-          <a:fillRef idx="1">
-            <a:schemeClr val="accent1"/>
-          </a:fillRef>
-          <a:effectRef idx="0">
-            <a:schemeClr val="accent1"/>
-          </a:effectRef>
-          <a:fontRef idx="minor">
-            <a:schemeClr val="lt1"/>
-          </a:fontRef>
-        </p:style>
-        <p:txBody>
-          <a:bodyPr rtlCol="0" anchor="ctr"/>
-          <a:lstStyle/>
-          <a:p>
-            <a:pPr algn="ctr"/>
-            <a:r>
-              <a:rPr lang="es-PE" sz="1400" dirty="0">
-                <a:solidFill>
-                  <a:sysClr val="windowText" lastClr="000000"/>
-                </a:solidFill>
-              </a:rPr>
-              <a:t>S</a:t>
-            </a:r>
-            <a:endParaRPr lang="es-PE" dirty="0">
-              <a:solidFill>
-                <a:sysClr val="windowText" lastClr="000000"/>
-              </a:solidFill>
-            </a:endParaRPr>
-          </a:p>
-        </p:txBody>
-      </p:sp>
-      <p:cxnSp>
-        <p:nvCxnSpPr>
-          <p:cNvPr id="56" name="Straight Connector 55">
-            <a:extLst>
-              <a:ext uri="{FF2B5EF4-FFF2-40B4-BE49-F238E27FC236}">
-                <a16:creationId xmlns:a16="http://schemas.microsoft.com/office/drawing/2014/main" id="{95DD01D2-A01F-4E91-3AE2-18DCA6F9534B}"/>
-              </a:ext>
-            </a:extLst>
-          </p:cNvPr>
-          <p:cNvCxnSpPr>
-            <a:cxnSpLocks/>
-            <a:endCxn id="55" idx="2"/>
-          </p:cNvCxnSpPr>
-          <p:nvPr/>
-        </p:nvCxnSpPr>
-        <p:spPr>
-          <a:xfrm flipV="1">
-            <a:off x="4955450" y="532941"/>
-            <a:ext cx="0" cy="399455"/>
-          </a:xfrm>
-          <a:prstGeom prst="line">
-            <a:avLst/>
-          </a:prstGeom>
-          <a:ln>
-            <a:solidFill>
-              <a:schemeClr val="tx1"/>
-            </a:solidFill>
-          </a:ln>
-        </p:spPr>
-        <p:style>
-          <a:lnRef idx="1">
-            <a:schemeClr val="accent1"/>
-          </a:lnRef>
-          <a:fillRef idx="0">
-            <a:schemeClr val="accent1"/>
-          </a:fillRef>
-          <a:effectRef idx="0">
-            <a:schemeClr val="accent1"/>
-          </a:effectRef>
-          <a:fontRef idx="minor">
-            <a:schemeClr val="tx1"/>
-          </a:fontRef>
-        </p:style>
-      </p:cxnSp>
-      <p:sp>
-        <p:nvSpPr>
           <p:cNvPr id="57" name="Oval 56">
             <a:extLst>
               <a:ext uri="{FF2B5EF4-FFF2-40B4-BE49-F238E27FC236}">
@@ -5652,10 +6183,10 @@
       </p:sp>
       <p:sp>
         <p:nvSpPr>
-          <p:cNvPr id="60" name="Hexagon 59">
-            <a:extLst>
-              <a:ext uri="{FF2B5EF4-FFF2-40B4-BE49-F238E27FC236}">
-                <a16:creationId xmlns:a16="http://schemas.microsoft.com/office/drawing/2014/main" id="{D950E9AC-3599-1BDD-E819-7FED4B3AC4F3}"/>
+          <p:cNvPr id="71" name="Oval 70">
+            <a:extLst>
+              <a:ext uri="{FF2B5EF4-FFF2-40B4-BE49-F238E27FC236}">
+                <a16:creationId xmlns:a16="http://schemas.microsoft.com/office/drawing/2014/main" id="{3C60D3B5-9616-FE5A-8AA4-79491C2EC611}"/>
               </a:ext>
             </a:extLst>
           </p:cNvPr>
@@ -5664,10 +6195,310 @@
         </p:nvSpPr>
         <p:spPr>
           <a:xfrm>
-            <a:off x="4039089" y="932396"/>
-            <a:ext cx="1868173" cy="1049471"/>
-          </a:xfrm>
-          <a:prstGeom prst="hexagon">
+            <a:off x="5880136" y="2882425"/>
+            <a:ext cx="1689904" cy="842138"/>
+          </a:xfrm>
+          <a:prstGeom prst="ellipse">
+            <a:avLst/>
+          </a:prstGeom>
+          <a:noFill/>
+          <a:ln>
+            <a:solidFill>
+              <a:schemeClr val="tx1"/>
+            </a:solidFill>
+          </a:ln>
+        </p:spPr>
+        <p:style>
+          <a:lnRef idx="2">
+            <a:schemeClr val="accent1">
+              <a:shade val="15000"/>
+            </a:schemeClr>
+          </a:lnRef>
+          <a:fillRef idx="1">
+            <a:schemeClr val="accent1"/>
+          </a:fillRef>
+          <a:effectRef idx="0">
+            <a:schemeClr val="accent1"/>
+          </a:effectRef>
+          <a:fontRef idx="minor">
+            <a:schemeClr val="lt1"/>
+          </a:fontRef>
+        </p:style>
+        <p:txBody>
+          <a:bodyPr rtlCol="0" anchor="ctr"/>
+          <a:lstStyle/>
+          <a:p>
+            <a:pPr algn="ctr"/>
+            <a:r>
+              <a:rPr lang="es-PE" sz="1400" dirty="0">
+                <a:solidFill>
+                  <a:sysClr val="windowText" lastClr="000000"/>
+                </a:solidFill>
+              </a:rPr>
+              <a:t>Desempeño empresarial</a:t>
+            </a:r>
+          </a:p>
+        </p:txBody>
+      </p:sp>
+      <p:cxnSp>
+        <p:nvCxnSpPr>
+          <p:cNvPr id="74" name="Straight Arrow Connector 73">
+            <a:extLst>
+              <a:ext uri="{FF2B5EF4-FFF2-40B4-BE49-F238E27FC236}">
+                <a16:creationId xmlns:a16="http://schemas.microsoft.com/office/drawing/2014/main" id="{AB4C59EA-E321-50AB-2DB6-0230FE964B3C}"/>
+              </a:ext>
+            </a:extLst>
+          </p:cNvPr>
+          <p:cNvCxnSpPr>
+            <a:cxnSpLocks/>
+            <a:stCxn id="71" idx="6"/>
+            <a:endCxn id="82" idx="1"/>
+          </p:cNvCxnSpPr>
+          <p:nvPr/>
+        </p:nvCxnSpPr>
+        <p:spPr>
+          <a:xfrm flipV="1">
+            <a:off x="7570040" y="2938627"/>
+            <a:ext cx="158573" cy="364867"/>
+          </a:xfrm>
+          <a:prstGeom prst="straightConnector1">
+            <a:avLst/>
+          </a:prstGeom>
+          <a:ln>
+            <a:solidFill>
+              <a:schemeClr val="tx1"/>
+            </a:solidFill>
+            <a:tailEnd type="triangle"/>
+          </a:ln>
+        </p:spPr>
+        <p:style>
+          <a:lnRef idx="1">
+            <a:schemeClr val="accent1"/>
+          </a:lnRef>
+          <a:fillRef idx="0">
+            <a:schemeClr val="accent1"/>
+          </a:fillRef>
+          <a:effectRef idx="0">
+            <a:schemeClr val="accent1"/>
+          </a:effectRef>
+          <a:fontRef idx="minor">
+            <a:schemeClr val="tx1"/>
+          </a:fontRef>
+        </p:style>
+      </p:cxnSp>
+      <p:cxnSp>
+        <p:nvCxnSpPr>
+          <p:cNvPr id="76" name="Straight Arrow Connector 75">
+            <a:extLst>
+              <a:ext uri="{FF2B5EF4-FFF2-40B4-BE49-F238E27FC236}">
+                <a16:creationId xmlns:a16="http://schemas.microsoft.com/office/drawing/2014/main" id="{3EE9EE4D-5F19-8921-00C9-C3B773083C7E}"/>
+              </a:ext>
+            </a:extLst>
+          </p:cNvPr>
+          <p:cNvCxnSpPr>
+            <a:cxnSpLocks/>
+            <a:stCxn id="71" idx="6"/>
+            <a:endCxn id="87" idx="2"/>
+          </p:cNvCxnSpPr>
+          <p:nvPr/>
+        </p:nvCxnSpPr>
+        <p:spPr>
+          <a:xfrm>
+            <a:off x="7570040" y="3303494"/>
+            <a:ext cx="184950" cy="414236"/>
+          </a:xfrm>
+          <a:prstGeom prst="straightConnector1">
+            <a:avLst/>
+          </a:prstGeom>
+          <a:ln>
+            <a:solidFill>
+              <a:schemeClr val="tx1"/>
+            </a:solidFill>
+            <a:tailEnd type="triangle"/>
+          </a:ln>
+        </p:spPr>
+        <p:style>
+          <a:lnRef idx="1">
+            <a:schemeClr val="accent1"/>
+          </a:lnRef>
+          <a:fillRef idx="0">
+            <a:schemeClr val="accent1"/>
+          </a:fillRef>
+          <a:effectRef idx="0">
+            <a:schemeClr val="accent1"/>
+          </a:effectRef>
+          <a:fontRef idx="minor">
+            <a:schemeClr val="tx1"/>
+          </a:fontRef>
+        </p:style>
+      </p:cxnSp>
+      <p:sp>
+        <p:nvSpPr>
+          <p:cNvPr id="2" name="TextBox 1">
+            <a:extLst>
+              <a:ext uri="{FF2B5EF4-FFF2-40B4-BE49-F238E27FC236}">
+                <a16:creationId xmlns:a16="http://schemas.microsoft.com/office/drawing/2014/main" id="{6A46307A-6C7C-5A53-C3FA-05439402F0E3}"/>
+              </a:ext>
+            </a:extLst>
+          </p:cNvPr>
+          <p:cNvSpPr txBox="1"/>
+          <p:nvPr/>
+        </p:nvSpPr>
+        <p:spPr>
+          <a:xfrm>
+            <a:off x="4309143" y="1671321"/>
+            <a:ext cx="1428596" cy="261610"/>
+          </a:xfrm>
+          <a:prstGeom prst="rect">
+            <a:avLst/>
+          </a:prstGeom>
+          <a:noFill/>
+        </p:spPr>
+        <p:txBody>
+          <a:bodyPr wrap="none" rtlCol="0">
+            <a:spAutoFit/>
+          </a:bodyPr>
+          <a:lstStyle/>
+          <a:p>
+            <a:r>
+              <a:rPr lang="es-ES" sz="1100" dirty="0" err="1"/>
+              <a:t>Partanen</a:t>
+            </a:r>
+            <a:r>
+              <a:rPr lang="es-ES" sz="1100" dirty="0"/>
+              <a:t> et al. (2017)</a:t>
+            </a:r>
+          </a:p>
+        </p:txBody>
+      </p:sp>
+      <p:sp>
+        <p:nvSpPr>
+          <p:cNvPr id="3" name="TextBox 2">
+            <a:extLst>
+              <a:ext uri="{FF2B5EF4-FFF2-40B4-BE49-F238E27FC236}">
+                <a16:creationId xmlns:a16="http://schemas.microsoft.com/office/drawing/2014/main" id="{5E409836-F25E-8C82-E8F8-8EA0F765C2B1}"/>
+              </a:ext>
+            </a:extLst>
+          </p:cNvPr>
+          <p:cNvSpPr txBox="1"/>
+          <p:nvPr/>
+        </p:nvSpPr>
+        <p:spPr>
+          <a:xfrm>
+            <a:off x="1250281" y="3134504"/>
+            <a:ext cx="1127232" cy="261610"/>
+          </a:xfrm>
+          <a:prstGeom prst="rect">
+            <a:avLst/>
+          </a:prstGeom>
+          <a:noFill/>
+        </p:spPr>
+        <p:txBody>
+          <a:bodyPr wrap="none" rtlCol="0">
+            <a:spAutoFit/>
+          </a:bodyPr>
+          <a:lstStyle/>
+          <a:p>
+            <a:r>
+              <a:rPr lang="es-ES" sz="1100" dirty="0"/>
+              <a:t>Iyer et al. (2019)</a:t>
+            </a:r>
+          </a:p>
+        </p:txBody>
+      </p:sp>
+      <p:sp>
+        <p:nvSpPr>
+          <p:cNvPr id="4" name="TextBox 3">
+            <a:extLst>
+              <a:ext uri="{FF2B5EF4-FFF2-40B4-BE49-F238E27FC236}">
+                <a16:creationId xmlns:a16="http://schemas.microsoft.com/office/drawing/2014/main" id="{F30D007A-79B6-CCAD-D08B-2F0C894C668D}"/>
+              </a:ext>
+            </a:extLst>
+          </p:cNvPr>
+          <p:cNvSpPr txBox="1"/>
+          <p:nvPr/>
+        </p:nvSpPr>
+        <p:spPr>
+          <a:xfrm>
+            <a:off x="2739635" y="6473137"/>
+            <a:ext cx="2220480" cy="261610"/>
+          </a:xfrm>
+          <a:prstGeom prst="rect">
+            <a:avLst/>
+          </a:prstGeom>
+          <a:noFill/>
+        </p:spPr>
+        <p:txBody>
+          <a:bodyPr wrap="none" rtlCol="0">
+            <a:spAutoFit/>
+          </a:bodyPr>
+          <a:lstStyle/>
+          <a:p>
+            <a:r>
+              <a:rPr lang="es-ES" sz="1100" dirty="0"/>
+              <a:t>Entrevistas académicos/</a:t>
+            </a:r>
+            <a:r>
+              <a:rPr lang="es-ES" sz="1100" dirty="0" err="1"/>
+              <a:t>practioners</a:t>
+            </a:r>
+            <a:endParaRPr lang="es-ES" sz="1100" dirty="0"/>
+          </a:p>
+        </p:txBody>
+      </p:sp>
+      <p:sp>
+        <p:nvSpPr>
+          <p:cNvPr id="21" name="TextBox 20">
+            <a:extLst>
+              <a:ext uri="{FF2B5EF4-FFF2-40B4-BE49-F238E27FC236}">
+                <a16:creationId xmlns:a16="http://schemas.microsoft.com/office/drawing/2014/main" id="{0CC3834A-A833-9F24-EE66-437CFEF52FFE}"/>
+              </a:ext>
+            </a:extLst>
+          </p:cNvPr>
+          <p:cNvSpPr txBox="1"/>
+          <p:nvPr/>
+        </p:nvSpPr>
+        <p:spPr>
+          <a:xfrm>
+            <a:off x="6196337" y="3753827"/>
+            <a:ext cx="1162498" cy="261610"/>
+          </a:xfrm>
+          <a:prstGeom prst="rect">
+            <a:avLst/>
+          </a:prstGeom>
+          <a:noFill/>
+        </p:spPr>
+        <p:txBody>
+          <a:bodyPr wrap="none" rtlCol="0">
+            <a:spAutoFit/>
+          </a:bodyPr>
+          <a:lstStyle/>
+          <a:p>
+            <a:r>
+              <a:rPr lang="es-ES" sz="1100" dirty="0"/>
+              <a:t>Brax et al. (2021)</a:t>
+            </a:r>
+          </a:p>
+        </p:txBody>
+      </p:sp>
+      <p:sp>
+        <p:nvSpPr>
+          <p:cNvPr id="24" name="Oval 23">
+            <a:extLst>
+              <a:ext uri="{FF2B5EF4-FFF2-40B4-BE49-F238E27FC236}">
+                <a16:creationId xmlns:a16="http://schemas.microsoft.com/office/drawing/2014/main" id="{7608D95C-6D5F-C360-01B3-97B8CC426B9E}"/>
+              </a:ext>
+            </a:extLst>
+          </p:cNvPr>
+          <p:cNvSpPr/>
+          <p:nvPr/>
+        </p:nvSpPr>
+        <p:spPr>
+          <a:xfrm>
+            <a:off x="3962406" y="1141046"/>
+            <a:ext cx="2057790" cy="842138"/>
+          </a:xfrm>
+          <a:prstGeom prst="ellipse">
             <a:avLst/>
           </a:prstGeom>
           <a:noFill/>
@@ -5716,10 +6547,10 @@
       </p:sp>
       <p:sp>
         <p:nvSpPr>
-          <p:cNvPr id="70" name="Rectángulo 39">
-            <a:extLst>
-              <a:ext uri="{FF2B5EF4-FFF2-40B4-BE49-F238E27FC236}">
-                <a16:creationId xmlns:a16="http://schemas.microsoft.com/office/drawing/2014/main" id="{EF2BEC04-24C1-9CFE-3121-60D3AB276667}"/>
+          <p:cNvPr id="61" name="Oval 60">
+            <a:extLst>
+              <a:ext uri="{FF2B5EF4-FFF2-40B4-BE49-F238E27FC236}">
+                <a16:creationId xmlns:a16="http://schemas.microsoft.com/office/drawing/2014/main" id="{48B5003A-865A-7913-9476-68746357637D}"/>
               </a:ext>
             </a:extLst>
           </p:cNvPr>
@@ -5728,8 +6559,605 @@
         </p:nvSpPr>
         <p:spPr>
           <a:xfrm>
-            <a:off x="8311053" y="3544809"/>
-            <a:ext cx="422294" cy="347942"/>
+            <a:off x="1749924" y="505535"/>
+            <a:ext cx="1282458" cy="500226"/>
+          </a:xfrm>
+          <a:prstGeom prst="ellipse">
+            <a:avLst/>
+          </a:prstGeom>
+          <a:noFill/>
+          <a:ln>
+            <a:solidFill>
+              <a:schemeClr val="tx1"/>
+            </a:solidFill>
+          </a:ln>
+        </p:spPr>
+        <p:style>
+          <a:lnRef idx="2">
+            <a:schemeClr val="accent1">
+              <a:shade val="15000"/>
+            </a:schemeClr>
+          </a:lnRef>
+          <a:fillRef idx="1">
+            <a:schemeClr val="accent1"/>
+          </a:fillRef>
+          <a:effectRef idx="0">
+            <a:schemeClr val="accent1"/>
+          </a:effectRef>
+          <a:fontRef idx="minor">
+            <a:schemeClr val="lt1"/>
+          </a:fontRef>
+        </p:style>
+        <p:txBody>
+          <a:bodyPr rtlCol="0" anchor="ctr"/>
+          <a:lstStyle/>
+          <a:p>
+            <a:pPr algn="ctr"/>
+            <a:r>
+              <a:rPr lang="es-PE" sz="1100" dirty="0">
+                <a:solidFill>
+                  <a:sysClr val="windowText" lastClr="000000"/>
+                </a:solidFill>
+              </a:rPr>
+              <a:t>Servicios de </a:t>
+            </a:r>
+            <a:r>
+              <a:rPr lang="es-PE" sz="1100" dirty="0" err="1">
+                <a:solidFill>
+                  <a:sysClr val="windowText" lastClr="000000"/>
+                </a:solidFill>
+              </a:rPr>
+              <a:t>pre-venta</a:t>
+            </a:r>
+            <a:endParaRPr lang="es-PE" sz="1100" dirty="0">
+              <a:solidFill>
+                <a:sysClr val="windowText" lastClr="000000"/>
+              </a:solidFill>
+            </a:endParaRPr>
+          </a:p>
+        </p:txBody>
+      </p:sp>
+      <p:sp>
+        <p:nvSpPr>
+          <p:cNvPr id="62" name="Oval 61">
+            <a:extLst>
+              <a:ext uri="{FF2B5EF4-FFF2-40B4-BE49-F238E27FC236}">
+                <a16:creationId xmlns:a16="http://schemas.microsoft.com/office/drawing/2014/main" id="{DF9A0EBF-F4C0-9930-D8F3-589A6303ACDA}"/>
+              </a:ext>
+            </a:extLst>
+          </p:cNvPr>
+          <p:cNvSpPr/>
+          <p:nvPr/>
+        </p:nvSpPr>
+        <p:spPr>
+          <a:xfrm>
+            <a:off x="3206548" y="511113"/>
+            <a:ext cx="1282458" cy="500226"/>
+          </a:xfrm>
+          <a:prstGeom prst="ellipse">
+            <a:avLst/>
+          </a:prstGeom>
+          <a:noFill/>
+          <a:ln>
+            <a:solidFill>
+              <a:schemeClr val="tx1"/>
+            </a:solidFill>
+          </a:ln>
+        </p:spPr>
+        <p:style>
+          <a:lnRef idx="2">
+            <a:schemeClr val="accent1">
+              <a:shade val="15000"/>
+            </a:schemeClr>
+          </a:lnRef>
+          <a:fillRef idx="1">
+            <a:schemeClr val="accent1"/>
+          </a:fillRef>
+          <a:effectRef idx="0">
+            <a:schemeClr val="accent1"/>
+          </a:effectRef>
+          <a:fontRef idx="minor">
+            <a:schemeClr val="lt1"/>
+          </a:fontRef>
+        </p:style>
+        <p:txBody>
+          <a:bodyPr rtlCol="0" anchor="ctr"/>
+          <a:lstStyle/>
+          <a:p>
+            <a:pPr algn="ctr"/>
+            <a:r>
+              <a:rPr lang="es-PE" sz="1100" dirty="0">
+                <a:solidFill>
+                  <a:sysClr val="windowText" lastClr="000000"/>
+                </a:solidFill>
+              </a:rPr>
+              <a:t>Asistencia sobre el producto</a:t>
+            </a:r>
+          </a:p>
+        </p:txBody>
+      </p:sp>
+      <p:sp>
+        <p:nvSpPr>
+          <p:cNvPr id="63" name="Oval 62">
+            <a:extLst>
+              <a:ext uri="{FF2B5EF4-FFF2-40B4-BE49-F238E27FC236}">
+                <a16:creationId xmlns:a16="http://schemas.microsoft.com/office/drawing/2014/main" id="{000469E9-FF82-CDB0-CD53-0E4306472834}"/>
+              </a:ext>
+            </a:extLst>
+          </p:cNvPr>
+          <p:cNvSpPr/>
+          <p:nvPr/>
+        </p:nvSpPr>
+        <p:spPr>
+          <a:xfrm>
+            <a:off x="4663172" y="511113"/>
+            <a:ext cx="1282458" cy="500226"/>
+          </a:xfrm>
+          <a:prstGeom prst="ellipse">
+            <a:avLst/>
+          </a:prstGeom>
+          <a:noFill/>
+          <a:ln>
+            <a:solidFill>
+              <a:schemeClr val="tx1"/>
+            </a:solidFill>
+          </a:ln>
+        </p:spPr>
+        <p:style>
+          <a:lnRef idx="2">
+            <a:schemeClr val="accent1">
+              <a:shade val="15000"/>
+            </a:schemeClr>
+          </a:lnRef>
+          <a:fillRef idx="1">
+            <a:schemeClr val="accent1"/>
+          </a:fillRef>
+          <a:effectRef idx="0">
+            <a:schemeClr val="accent1"/>
+          </a:effectRef>
+          <a:fontRef idx="minor">
+            <a:schemeClr val="lt1"/>
+          </a:fontRef>
+        </p:style>
+        <p:txBody>
+          <a:bodyPr rtlCol="0" anchor="ctr"/>
+          <a:lstStyle/>
+          <a:p>
+            <a:pPr algn="ctr"/>
+            <a:r>
+              <a:rPr lang="es-PE" sz="1100" dirty="0">
+                <a:solidFill>
+                  <a:sysClr val="windowText" lastClr="000000"/>
+                </a:solidFill>
+              </a:rPr>
+              <a:t>Servicios ciclo de vida producto</a:t>
+            </a:r>
+          </a:p>
+        </p:txBody>
+      </p:sp>
+      <p:sp>
+        <p:nvSpPr>
+          <p:cNvPr id="64" name="Oval 63">
+            <a:extLst>
+              <a:ext uri="{FF2B5EF4-FFF2-40B4-BE49-F238E27FC236}">
+                <a16:creationId xmlns:a16="http://schemas.microsoft.com/office/drawing/2014/main" id="{8A5CB18C-F894-A157-0748-ED2BD97EBA2A}"/>
+              </a:ext>
+            </a:extLst>
+          </p:cNvPr>
+          <p:cNvSpPr/>
+          <p:nvPr/>
+        </p:nvSpPr>
+        <p:spPr>
+          <a:xfrm>
+            <a:off x="6119796" y="516691"/>
+            <a:ext cx="1282458" cy="500226"/>
+          </a:xfrm>
+          <a:prstGeom prst="ellipse">
+            <a:avLst/>
+          </a:prstGeom>
+          <a:noFill/>
+          <a:ln>
+            <a:solidFill>
+              <a:schemeClr val="tx1"/>
+            </a:solidFill>
+          </a:ln>
+        </p:spPr>
+        <p:style>
+          <a:lnRef idx="2">
+            <a:schemeClr val="accent1">
+              <a:shade val="15000"/>
+            </a:schemeClr>
+          </a:lnRef>
+          <a:fillRef idx="1">
+            <a:schemeClr val="accent1"/>
+          </a:fillRef>
+          <a:effectRef idx="0">
+            <a:schemeClr val="accent1"/>
+          </a:effectRef>
+          <a:fontRef idx="minor">
+            <a:schemeClr val="lt1"/>
+          </a:fontRef>
+        </p:style>
+        <p:txBody>
+          <a:bodyPr rtlCol="0" anchor="ctr"/>
+          <a:lstStyle/>
+          <a:p>
+            <a:pPr algn="ctr"/>
+            <a:r>
+              <a:rPr lang="es-PE" sz="1100" dirty="0">
+                <a:solidFill>
+                  <a:sysClr val="windowText" lastClr="000000"/>
+                </a:solidFill>
+              </a:rPr>
+              <a:t>Servicios de I&amp;D</a:t>
+            </a:r>
+          </a:p>
+        </p:txBody>
+      </p:sp>
+      <p:sp>
+        <p:nvSpPr>
+          <p:cNvPr id="65" name="Oval 64">
+            <a:extLst>
+              <a:ext uri="{FF2B5EF4-FFF2-40B4-BE49-F238E27FC236}">
+                <a16:creationId xmlns:a16="http://schemas.microsoft.com/office/drawing/2014/main" id="{92626129-5A46-BF53-560D-790F14C66531}"/>
+              </a:ext>
+            </a:extLst>
+          </p:cNvPr>
+          <p:cNvSpPr/>
+          <p:nvPr/>
+        </p:nvSpPr>
+        <p:spPr>
+          <a:xfrm>
+            <a:off x="7576420" y="505535"/>
+            <a:ext cx="1282458" cy="500226"/>
+          </a:xfrm>
+          <a:prstGeom prst="ellipse">
+            <a:avLst/>
+          </a:prstGeom>
+          <a:noFill/>
+          <a:ln>
+            <a:solidFill>
+              <a:schemeClr val="tx1"/>
+            </a:solidFill>
+          </a:ln>
+        </p:spPr>
+        <p:style>
+          <a:lnRef idx="2">
+            <a:schemeClr val="accent1">
+              <a:shade val="15000"/>
+            </a:schemeClr>
+          </a:lnRef>
+          <a:fillRef idx="1">
+            <a:schemeClr val="accent1"/>
+          </a:fillRef>
+          <a:effectRef idx="0">
+            <a:schemeClr val="accent1"/>
+          </a:effectRef>
+          <a:fontRef idx="minor">
+            <a:schemeClr val="lt1"/>
+          </a:fontRef>
+        </p:style>
+        <p:txBody>
+          <a:bodyPr rtlCol="0" anchor="ctr"/>
+          <a:lstStyle/>
+          <a:p>
+            <a:pPr algn="ctr"/>
+            <a:r>
+              <a:rPr lang="es-PE" sz="1100" dirty="0">
+                <a:solidFill>
+                  <a:sysClr val="windowText" lastClr="000000"/>
+                </a:solidFill>
+              </a:rPr>
+              <a:t>Servicios operacionales</a:t>
+            </a:r>
+          </a:p>
+        </p:txBody>
+      </p:sp>
+      <p:cxnSp>
+        <p:nvCxnSpPr>
+          <p:cNvPr id="67" name="Straight Arrow Connector 66">
+            <a:extLst>
+              <a:ext uri="{FF2B5EF4-FFF2-40B4-BE49-F238E27FC236}">
+                <a16:creationId xmlns:a16="http://schemas.microsoft.com/office/drawing/2014/main" id="{457CA34A-A953-2C32-28D2-4D358940F709}"/>
+              </a:ext>
+            </a:extLst>
+          </p:cNvPr>
+          <p:cNvCxnSpPr>
+            <a:stCxn id="24" idx="0"/>
+            <a:endCxn id="61" idx="4"/>
+          </p:cNvCxnSpPr>
+          <p:nvPr/>
+        </p:nvCxnSpPr>
+        <p:spPr>
+          <a:xfrm flipH="1" flipV="1">
+            <a:off x="2391153" y="1005761"/>
+            <a:ext cx="2600148" cy="135285"/>
+          </a:xfrm>
+          <a:prstGeom prst="straightConnector1">
+            <a:avLst/>
+          </a:prstGeom>
+          <a:ln>
+            <a:solidFill>
+              <a:schemeClr val="tx1"/>
+            </a:solidFill>
+            <a:tailEnd type="triangle"/>
+          </a:ln>
+        </p:spPr>
+        <p:style>
+          <a:lnRef idx="1">
+            <a:schemeClr val="accent1"/>
+          </a:lnRef>
+          <a:fillRef idx="0">
+            <a:schemeClr val="accent1"/>
+          </a:fillRef>
+          <a:effectRef idx="0">
+            <a:schemeClr val="accent1"/>
+          </a:effectRef>
+          <a:fontRef idx="minor">
+            <a:schemeClr val="tx1"/>
+          </a:fontRef>
+        </p:style>
+      </p:cxnSp>
+      <p:cxnSp>
+        <p:nvCxnSpPr>
+          <p:cNvPr id="69" name="Straight Arrow Connector 68">
+            <a:extLst>
+              <a:ext uri="{FF2B5EF4-FFF2-40B4-BE49-F238E27FC236}">
+                <a16:creationId xmlns:a16="http://schemas.microsoft.com/office/drawing/2014/main" id="{64862FCB-E9A1-919D-FA97-884AEAB56125}"/>
+              </a:ext>
+            </a:extLst>
+          </p:cNvPr>
+          <p:cNvCxnSpPr>
+            <a:stCxn id="24" idx="0"/>
+            <a:endCxn id="62" idx="4"/>
+          </p:cNvCxnSpPr>
+          <p:nvPr/>
+        </p:nvCxnSpPr>
+        <p:spPr>
+          <a:xfrm flipH="1" flipV="1">
+            <a:off x="3847777" y="1011339"/>
+            <a:ext cx="1143524" cy="129707"/>
+          </a:xfrm>
+          <a:prstGeom prst="straightConnector1">
+            <a:avLst/>
+          </a:prstGeom>
+          <a:ln>
+            <a:solidFill>
+              <a:schemeClr val="tx1"/>
+            </a:solidFill>
+            <a:tailEnd type="triangle"/>
+          </a:ln>
+        </p:spPr>
+        <p:style>
+          <a:lnRef idx="1">
+            <a:schemeClr val="accent1"/>
+          </a:lnRef>
+          <a:fillRef idx="0">
+            <a:schemeClr val="accent1"/>
+          </a:fillRef>
+          <a:effectRef idx="0">
+            <a:schemeClr val="accent1"/>
+          </a:effectRef>
+          <a:fontRef idx="minor">
+            <a:schemeClr val="tx1"/>
+          </a:fontRef>
+        </p:style>
+      </p:cxnSp>
+      <p:cxnSp>
+        <p:nvCxnSpPr>
+          <p:cNvPr id="75" name="Straight Arrow Connector 74">
+            <a:extLst>
+              <a:ext uri="{FF2B5EF4-FFF2-40B4-BE49-F238E27FC236}">
+                <a16:creationId xmlns:a16="http://schemas.microsoft.com/office/drawing/2014/main" id="{D58190E1-CA2C-98F9-B54F-19B1E63D5BBC}"/>
+              </a:ext>
+            </a:extLst>
+          </p:cNvPr>
+          <p:cNvCxnSpPr>
+            <a:stCxn id="24" idx="0"/>
+            <a:endCxn id="63" idx="4"/>
+          </p:cNvCxnSpPr>
+          <p:nvPr/>
+        </p:nvCxnSpPr>
+        <p:spPr>
+          <a:xfrm flipV="1">
+            <a:off x="4991301" y="1011339"/>
+            <a:ext cx="313100" cy="129707"/>
+          </a:xfrm>
+          <a:prstGeom prst="straightConnector1">
+            <a:avLst/>
+          </a:prstGeom>
+          <a:ln>
+            <a:solidFill>
+              <a:schemeClr val="tx1"/>
+            </a:solidFill>
+            <a:tailEnd type="triangle"/>
+          </a:ln>
+        </p:spPr>
+        <p:style>
+          <a:lnRef idx="1">
+            <a:schemeClr val="accent1"/>
+          </a:lnRef>
+          <a:fillRef idx="0">
+            <a:schemeClr val="accent1"/>
+          </a:fillRef>
+          <a:effectRef idx="0">
+            <a:schemeClr val="accent1"/>
+          </a:effectRef>
+          <a:fontRef idx="minor">
+            <a:schemeClr val="tx1"/>
+          </a:fontRef>
+        </p:style>
+      </p:cxnSp>
+      <p:cxnSp>
+        <p:nvCxnSpPr>
+          <p:cNvPr id="78" name="Straight Arrow Connector 77">
+            <a:extLst>
+              <a:ext uri="{FF2B5EF4-FFF2-40B4-BE49-F238E27FC236}">
+                <a16:creationId xmlns:a16="http://schemas.microsoft.com/office/drawing/2014/main" id="{6B95D061-077B-DC82-A89D-5FB17B5E1FEE}"/>
+              </a:ext>
+            </a:extLst>
+          </p:cNvPr>
+          <p:cNvCxnSpPr>
+            <a:stCxn id="24" idx="0"/>
+            <a:endCxn id="64" idx="4"/>
+          </p:cNvCxnSpPr>
+          <p:nvPr/>
+        </p:nvCxnSpPr>
+        <p:spPr>
+          <a:xfrm flipV="1">
+            <a:off x="4991301" y="1016917"/>
+            <a:ext cx="1769724" cy="124129"/>
+          </a:xfrm>
+          <a:prstGeom prst="straightConnector1">
+            <a:avLst/>
+          </a:prstGeom>
+          <a:ln>
+            <a:solidFill>
+              <a:schemeClr val="tx1"/>
+            </a:solidFill>
+            <a:tailEnd type="triangle"/>
+          </a:ln>
+        </p:spPr>
+        <p:style>
+          <a:lnRef idx="1">
+            <a:schemeClr val="accent1"/>
+          </a:lnRef>
+          <a:fillRef idx="0">
+            <a:schemeClr val="accent1"/>
+          </a:fillRef>
+          <a:effectRef idx="0">
+            <a:schemeClr val="accent1"/>
+          </a:effectRef>
+          <a:fontRef idx="minor">
+            <a:schemeClr val="tx1"/>
+          </a:fontRef>
+        </p:style>
+      </p:cxnSp>
+      <p:cxnSp>
+        <p:nvCxnSpPr>
+          <p:cNvPr id="80" name="Straight Arrow Connector 79">
+            <a:extLst>
+              <a:ext uri="{FF2B5EF4-FFF2-40B4-BE49-F238E27FC236}">
+                <a16:creationId xmlns:a16="http://schemas.microsoft.com/office/drawing/2014/main" id="{9E2C9039-EE00-9627-0EF1-1CFAAF642582}"/>
+              </a:ext>
+            </a:extLst>
+          </p:cNvPr>
+          <p:cNvCxnSpPr>
+            <a:stCxn id="24" idx="0"/>
+            <a:endCxn id="65" idx="4"/>
+          </p:cNvCxnSpPr>
+          <p:nvPr/>
+        </p:nvCxnSpPr>
+        <p:spPr>
+          <a:xfrm flipV="1">
+            <a:off x="4991301" y="1005761"/>
+            <a:ext cx="3226348" cy="135285"/>
+          </a:xfrm>
+          <a:prstGeom prst="straightConnector1">
+            <a:avLst/>
+          </a:prstGeom>
+          <a:ln>
+            <a:solidFill>
+              <a:schemeClr val="tx1"/>
+            </a:solidFill>
+            <a:tailEnd type="triangle"/>
+          </a:ln>
+        </p:spPr>
+        <p:style>
+          <a:lnRef idx="1">
+            <a:schemeClr val="accent1"/>
+          </a:lnRef>
+          <a:fillRef idx="0">
+            <a:schemeClr val="accent1"/>
+          </a:fillRef>
+          <a:effectRef idx="0">
+            <a:schemeClr val="accent1"/>
+          </a:effectRef>
+          <a:fontRef idx="minor">
+            <a:schemeClr val="tx1"/>
+          </a:fontRef>
+        </p:style>
+      </p:cxnSp>
+      <p:sp>
+        <p:nvSpPr>
+          <p:cNvPr id="82" name="Flowchart: Preparation 81">
+            <a:extLst>
+              <a:ext uri="{FF2B5EF4-FFF2-40B4-BE49-F238E27FC236}">
+                <a16:creationId xmlns:a16="http://schemas.microsoft.com/office/drawing/2014/main" id="{071CA326-88EA-4B8E-89C8-D6AB639B941D}"/>
+              </a:ext>
+            </a:extLst>
+          </p:cNvPr>
+          <p:cNvSpPr/>
+          <p:nvPr/>
+        </p:nvSpPr>
+        <p:spPr>
+          <a:xfrm>
+            <a:off x="7728613" y="2756631"/>
+            <a:ext cx="611130" cy="363992"/>
+          </a:xfrm>
+          <a:prstGeom prst="flowChartPreparation">
+            <a:avLst/>
+          </a:prstGeom>
+          <a:noFill/>
+          <a:ln>
+            <a:solidFill>
+              <a:schemeClr val="tx1"/>
+            </a:solidFill>
+          </a:ln>
+        </p:spPr>
+        <p:style>
+          <a:lnRef idx="2">
+            <a:schemeClr val="accent1">
+              <a:shade val="15000"/>
+            </a:schemeClr>
+          </a:lnRef>
+          <a:fillRef idx="1">
+            <a:schemeClr val="accent1"/>
+          </a:fillRef>
+          <a:effectRef idx="0">
+            <a:schemeClr val="accent1"/>
+          </a:effectRef>
+          <a:fontRef idx="minor">
+            <a:schemeClr val="lt1"/>
+          </a:fontRef>
+        </p:style>
+        <p:txBody>
+          <a:bodyPr rtlCol="0" anchor="ctr"/>
+          <a:lstStyle/>
+          <a:p>
+            <a:pPr algn="ctr"/>
+            <a:r>
+              <a:rPr lang="es-ES" sz="1100" dirty="0">
+                <a:solidFill>
+                  <a:sysClr val="windowText" lastClr="000000"/>
+                </a:solidFill>
+              </a:rPr>
+              <a:t>DF</a:t>
+            </a:r>
+            <a:endParaRPr lang="es-ES" dirty="0">
+              <a:solidFill>
+                <a:sysClr val="windowText" lastClr="000000"/>
+              </a:solidFill>
+            </a:endParaRPr>
+          </a:p>
+        </p:txBody>
+      </p:sp>
+      <p:sp>
+        <p:nvSpPr>
+          <p:cNvPr id="84" name="Rectángulo 59">
+            <a:extLst>
+              <a:ext uri="{FF2B5EF4-FFF2-40B4-BE49-F238E27FC236}">
+                <a16:creationId xmlns:a16="http://schemas.microsoft.com/office/drawing/2014/main" id="{D67C3F20-BB8A-C53B-E647-FF61829E01CF}"/>
+              </a:ext>
+            </a:extLst>
+          </p:cNvPr>
+          <p:cNvSpPr/>
+          <p:nvPr/>
+        </p:nvSpPr>
+        <p:spPr>
+          <a:xfrm>
+            <a:off x="7846970" y="2132175"/>
+            <a:ext cx="360000" cy="360000"/>
           </a:xfrm>
           <a:prstGeom prst="rect">
             <a:avLst/>
@@ -5758,7 +7186,7 @@
           </a:fontRef>
         </p:style>
         <p:txBody>
-          <a:bodyPr rtlCol="0" anchor="ctr"/>
+          <a:bodyPr lIns="0" tIns="0" rIns="0" bIns="0" rtlCol="0" anchor="ctr"/>
           <a:lstStyle/>
           <a:p>
             <a:pPr algn="ctr"/>
@@ -5768,7 +7196,169 @@
                   <a:sysClr val="windowText" lastClr="000000"/>
                 </a:solidFill>
               </a:rPr>
+              <a:t>M</a:t>
+            </a:r>
+          </a:p>
+        </p:txBody>
+      </p:sp>
+      <p:cxnSp>
+        <p:nvCxnSpPr>
+          <p:cNvPr id="86" name="Straight Connector 85">
+            <a:extLst>
+              <a:ext uri="{FF2B5EF4-FFF2-40B4-BE49-F238E27FC236}">
+                <a16:creationId xmlns:a16="http://schemas.microsoft.com/office/drawing/2014/main" id="{2168C9FF-2392-BB67-32E9-27D34057A65A}"/>
+              </a:ext>
+            </a:extLst>
+          </p:cNvPr>
+          <p:cNvCxnSpPr>
+            <a:stCxn id="84" idx="2"/>
+            <a:endCxn id="82" idx="0"/>
+          </p:cNvCxnSpPr>
+          <p:nvPr/>
+        </p:nvCxnSpPr>
+        <p:spPr>
+          <a:xfrm>
+            <a:off x="8026970" y="2492175"/>
+            <a:ext cx="7208" cy="264456"/>
+          </a:xfrm>
+          <a:prstGeom prst="line">
+            <a:avLst/>
+          </a:prstGeom>
+          <a:ln>
+            <a:solidFill>
+              <a:schemeClr val="tx1"/>
+            </a:solidFill>
+          </a:ln>
+        </p:spPr>
+        <p:style>
+          <a:lnRef idx="1">
+            <a:schemeClr val="accent1"/>
+          </a:lnRef>
+          <a:fillRef idx="0">
+            <a:schemeClr val="accent1"/>
+          </a:fillRef>
+          <a:effectRef idx="0">
+            <a:schemeClr val="accent1"/>
+          </a:effectRef>
+          <a:fontRef idx="minor">
+            <a:schemeClr val="tx1"/>
+          </a:fontRef>
+        </p:style>
+      </p:cxnSp>
+      <p:sp>
+        <p:nvSpPr>
+          <p:cNvPr id="87" name="Oval 86">
+            <a:extLst>
+              <a:ext uri="{FF2B5EF4-FFF2-40B4-BE49-F238E27FC236}">
+                <a16:creationId xmlns:a16="http://schemas.microsoft.com/office/drawing/2014/main" id="{806912F6-ED86-FE6D-B4EC-24EF0CDAE6E8}"/>
+              </a:ext>
+            </a:extLst>
+          </p:cNvPr>
+          <p:cNvSpPr/>
+          <p:nvPr/>
+        </p:nvSpPr>
+        <p:spPr>
+          <a:xfrm>
+            <a:off x="7754990" y="3550828"/>
+            <a:ext cx="594852" cy="333804"/>
+          </a:xfrm>
+          <a:prstGeom prst="ellipse">
+            <a:avLst/>
+          </a:prstGeom>
+          <a:noFill/>
+          <a:ln>
+            <a:solidFill>
+              <a:schemeClr val="tx1"/>
+            </a:solidFill>
+          </a:ln>
+        </p:spPr>
+        <p:style>
+          <a:lnRef idx="2">
+            <a:schemeClr val="accent1">
+              <a:shade val="15000"/>
+            </a:schemeClr>
+          </a:lnRef>
+          <a:fillRef idx="1">
+            <a:schemeClr val="accent1"/>
+          </a:fillRef>
+          <a:effectRef idx="0">
+            <a:schemeClr val="accent1"/>
+          </a:effectRef>
+          <a:fontRef idx="minor">
+            <a:schemeClr val="lt1"/>
+          </a:fontRef>
+        </p:style>
+        <p:txBody>
+          <a:bodyPr rtlCol="0" anchor="ctr"/>
+          <a:lstStyle/>
+          <a:p>
+            <a:pPr algn="ctr"/>
+            <a:r>
+              <a:rPr lang="es-ES" sz="1050" dirty="0">
+                <a:solidFill>
+                  <a:sysClr val="windowText" lastClr="000000"/>
+                </a:solidFill>
+              </a:rPr>
               <a:t>DNF</a:t>
+            </a:r>
+          </a:p>
+        </p:txBody>
+      </p:sp>
+      <p:sp>
+        <p:nvSpPr>
+          <p:cNvPr id="98" name="Rectángulo 54">
+            <a:extLst>
+              <a:ext uri="{FF2B5EF4-FFF2-40B4-BE49-F238E27FC236}">
+                <a16:creationId xmlns:a16="http://schemas.microsoft.com/office/drawing/2014/main" id="{3E1EE964-DF91-A491-6774-71DF73474F1D}"/>
+              </a:ext>
+            </a:extLst>
+          </p:cNvPr>
+          <p:cNvSpPr/>
+          <p:nvPr/>
+        </p:nvSpPr>
+        <p:spPr>
+          <a:xfrm>
+            <a:off x="6357626" y="4419359"/>
+            <a:ext cx="360000" cy="360000"/>
+          </a:xfrm>
+          <a:prstGeom prst="rect">
+            <a:avLst/>
+          </a:prstGeom>
+          <a:noFill/>
+          <a:ln>
+            <a:solidFill>
+              <a:schemeClr val="tx1"/>
+            </a:solidFill>
+          </a:ln>
+        </p:spPr>
+        <p:style>
+          <a:lnRef idx="2">
+            <a:schemeClr val="accent1">
+              <a:shade val="50000"/>
+            </a:schemeClr>
+          </a:lnRef>
+          <a:fillRef idx="1">
+            <a:schemeClr val="accent1"/>
+          </a:fillRef>
+          <a:effectRef idx="0">
+            <a:schemeClr val="accent1"/>
+          </a:effectRef>
+          <a:fontRef idx="minor">
+            <a:schemeClr val="lt1"/>
+          </a:fontRef>
+        </p:style>
+        <p:txBody>
+          <a:bodyPr lIns="0" tIns="0" rIns="0" bIns="0" rtlCol="0" anchor="ctr"/>
+          <a:lstStyle/>
+          <a:p>
+            <a:pPr algn="ctr"/>
+            <a:r>
+              <a:rPr lang="es-PE" sz="1000" dirty="0">
+                <a:solidFill>
+                  <a:sysClr val="windowText" lastClr="000000"/>
+                </a:solidFill>
+              </a:rPr>
+              <a:t>DNF1</a:t>
             </a:r>
             <a:endParaRPr lang="es-PE" sz="1200" dirty="0">
               <a:solidFill>
@@ -5780,10 +7370,10 @@
       </p:sp>
       <p:sp>
         <p:nvSpPr>
-          <p:cNvPr id="71" name="Oval 70">
-            <a:extLst>
-              <a:ext uri="{FF2B5EF4-FFF2-40B4-BE49-F238E27FC236}">
-                <a16:creationId xmlns:a16="http://schemas.microsoft.com/office/drawing/2014/main" id="{3C60D3B5-9616-FE5A-8AA4-79491C2EC611}"/>
+          <p:cNvPr id="99" name="Rectángulo 54">
+            <a:extLst>
+              <a:ext uri="{FF2B5EF4-FFF2-40B4-BE49-F238E27FC236}">
+                <a16:creationId xmlns:a16="http://schemas.microsoft.com/office/drawing/2014/main" id="{FC204D27-34AE-95F8-136F-E9EA4A4B2CAF}"/>
               </a:ext>
             </a:extLst>
           </p:cNvPr>
@@ -5792,10 +7382,10 @@
         </p:nvSpPr>
         <p:spPr>
           <a:xfrm>
-            <a:off x="6238489" y="2882425"/>
-            <a:ext cx="1689904" cy="842138"/>
-          </a:xfrm>
-          <a:prstGeom prst="ellipse">
+            <a:off x="6819765" y="4419359"/>
+            <a:ext cx="360000" cy="360000"/>
+          </a:xfrm>
+          <a:prstGeom prst="rect">
             <a:avLst/>
           </a:prstGeom>
           <a:noFill/>
@@ -5808,7 +7398,7 @@
         <p:style>
           <a:lnRef idx="2">
             <a:schemeClr val="accent1">
-              <a:shade val="15000"/>
+              <a:shade val="50000"/>
             </a:schemeClr>
           </a:lnRef>
           <a:fillRef idx="1">
@@ -5822,27 +7412,32 @@
           </a:fontRef>
         </p:style>
         <p:txBody>
-          <a:bodyPr rtlCol="0" anchor="ctr"/>
+          <a:bodyPr lIns="0" tIns="0" rIns="0" bIns="0" rtlCol="0" anchor="ctr"/>
           <a:lstStyle/>
           <a:p>
             <a:pPr algn="ctr"/>
             <a:r>
-              <a:rPr lang="es-PE" sz="1400" dirty="0">
+              <a:rPr lang="es-PE" sz="1000" dirty="0">
                 <a:solidFill>
                   <a:sysClr val="windowText" lastClr="000000"/>
                 </a:solidFill>
               </a:rPr>
-              <a:t>Desempeño empresarial</a:t>
-            </a:r>
-          </a:p>
-        </p:txBody>
-      </p:sp>
-      <p:sp>
-        <p:nvSpPr>
-          <p:cNvPr id="72" name="Rectángulo 39">
-            <a:extLst>
-              <a:ext uri="{FF2B5EF4-FFF2-40B4-BE49-F238E27FC236}">
-                <a16:creationId xmlns:a16="http://schemas.microsoft.com/office/drawing/2014/main" id="{60D0C22A-E7A9-D40B-27C9-42C4EDC17D45}"/>
+              <a:t>DNF2</a:t>
+            </a:r>
+            <a:endParaRPr lang="es-PE" sz="1200" dirty="0">
+              <a:solidFill>
+                <a:sysClr val="windowText" lastClr="000000"/>
+              </a:solidFill>
+            </a:endParaRPr>
+          </a:p>
+        </p:txBody>
+      </p:sp>
+      <p:sp>
+        <p:nvSpPr>
+          <p:cNvPr id="100" name="Rectángulo 54">
+            <a:extLst>
+              <a:ext uri="{FF2B5EF4-FFF2-40B4-BE49-F238E27FC236}">
+                <a16:creationId xmlns:a16="http://schemas.microsoft.com/office/drawing/2014/main" id="{EEDE3F6E-B3D3-CF06-02CC-24258C27D48B}"/>
               </a:ext>
             </a:extLst>
           </p:cNvPr>
@@ -5851,8 +7446,8 @@
         </p:nvSpPr>
         <p:spPr>
           <a:xfrm>
-            <a:off x="8311053" y="2763780"/>
-            <a:ext cx="422294" cy="347942"/>
+            <a:off x="7275270" y="4419359"/>
+            <a:ext cx="360000" cy="360000"/>
           </a:xfrm>
           <a:prstGeom prst="rect">
             <a:avLst/>
@@ -5881,7 +7476,533 @@
           </a:fontRef>
         </p:style>
         <p:txBody>
-          <a:bodyPr rtlCol="0" anchor="ctr"/>
+          <a:bodyPr lIns="0" tIns="0" rIns="0" bIns="0" rtlCol="0" anchor="ctr"/>
+          <a:lstStyle/>
+          <a:p>
+            <a:pPr algn="ctr"/>
+            <a:r>
+              <a:rPr lang="es-PE" sz="1000" dirty="0">
+                <a:solidFill>
+                  <a:sysClr val="windowText" lastClr="000000"/>
+                </a:solidFill>
+              </a:rPr>
+              <a:t>DNF3</a:t>
+            </a:r>
+            <a:endParaRPr lang="es-PE" sz="1200" dirty="0">
+              <a:solidFill>
+                <a:sysClr val="windowText" lastClr="000000"/>
+              </a:solidFill>
+            </a:endParaRPr>
+          </a:p>
+        </p:txBody>
+      </p:sp>
+      <p:sp>
+        <p:nvSpPr>
+          <p:cNvPr id="101" name="Rectángulo 54">
+            <a:extLst>
+              <a:ext uri="{FF2B5EF4-FFF2-40B4-BE49-F238E27FC236}">
+                <a16:creationId xmlns:a16="http://schemas.microsoft.com/office/drawing/2014/main" id="{A8300F69-AFC9-10FE-9298-F15FD569B77B}"/>
+              </a:ext>
+            </a:extLst>
+          </p:cNvPr>
+          <p:cNvSpPr/>
+          <p:nvPr/>
+        </p:nvSpPr>
+        <p:spPr>
+          <a:xfrm>
+            <a:off x="7737409" y="4419359"/>
+            <a:ext cx="360000" cy="360000"/>
+          </a:xfrm>
+          <a:prstGeom prst="rect">
+            <a:avLst/>
+          </a:prstGeom>
+          <a:noFill/>
+          <a:ln>
+            <a:solidFill>
+              <a:schemeClr val="tx1"/>
+            </a:solidFill>
+          </a:ln>
+        </p:spPr>
+        <p:style>
+          <a:lnRef idx="2">
+            <a:schemeClr val="accent1">
+              <a:shade val="50000"/>
+            </a:schemeClr>
+          </a:lnRef>
+          <a:fillRef idx="1">
+            <a:schemeClr val="accent1"/>
+          </a:fillRef>
+          <a:effectRef idx="0">
+            <a:schemeClr val="accent1"/>
+          </a:effectRef>
+          <a:fontRef idx="minor">
+            <a:schemeClr val="lt1"/>
+          </a:fontRef>
+        </p:style>
+        <p:txBody>
+          <a:bodyPr lIns="0" tIns="0" rIns="0" bIns="0" rtlCol="0" anchor="ctr"/>
+          <a:lstStyle/>
+          <a:p>
+            <a:pPr algn="ctr"/>
+            <a:r>
+              <a:rPr lang="es-PE" sz="1000" dirty="0">
+                <a:solidFill>
+                  <a:sysClr val="windowText" lastClr="000000"/>
+                </a:solidFill>
+              </a:rPr>
+              <a:t>DNF4</a:t>
+            </a:r>
+            <a:endParaRPr lang="es-PE" sz="1200" dirty="0">
+              <a:solidFill>
+                <a:sysClr val="windowText" lastClr="000000"/>
+              </a:solidFill>
+            </a:endParaRPr>
+          </a:p>
+        </p:txBody>
+      </p:sp>
+      <p:sp>
+        <p:nvSpPr>
+          <p:cNvPr id="102" name="Rectángulo 54">
+            <a:extLst>
+              <a:ext uri="{FF2B5EF4-FFF2-40B4-BE49-F238E27FC236}">
+                <a16:creationId xmlns:a16="http://schemas.microsoft.com/office/drawing/2014/main" id="{818EA0D0-D82E-5EB2-29A2-15DA36462A7D}"/>
+              </a:ext>
+            </a:extLst>
+          </p:cNvPr>
+          <p:cNvSpPr/>
+          <p:nvPr/>
+        </p:nvSpPr>
+        <p:spPr>
+          <a:xfrm>
+            <a:off x="8194495" y="4419359"/>
+            <a:ext cx="360000" cy="360000"/>
+          </a:xfrm>
+          <a:prstGeom prst="rect">
+            <a:avLst/>
+          </a:prstGeom>
+          <a:noFill/>
+          <a:ln>
+            <a:solidFill>
+              <a:schemeClr val="tx1"/>
+            </a:solidFill>
+          </a:ln>
+        </p:spPr>
+        <p:style>
+          <a:lnRef idx="2">
+            <a:schemeClr val="accent1">
+              <a:shade val="50000"/>
+            </a:schemeClr>
+          </a:lnRef>
+          <a:fillRef idx="1">
+            <a:schemeClr val="accent1"/>
+          </a:fillRef>
+          <a:effectRef idx="0">
+            <a:schemeClr val="accent1"/>
+          </a:effectRef>
+          <a:fontRef idx="minor">
+            <a:schemeClr val="lt1"/>
+          </a:fontRef>
+        </p:style>
+        <p:txBody>
+          <a:bodyPr lIns="0" tIns="0" rIns="0" bIns="0" rtlCol="0" anchor="ctr"/>
+          <a:lstStyle/>
+          <a:p>
+            <a:pPr algn="ctr"/>
+            <a:r>
+              <a:rPr lang="es-PE" sz="1000" dirty="0">
+                <a:solidFill>
+                  <a:sysClr val="windowText" lastClr="000000"/>
+                </a:solidFill>
+              </a:rPr>
+              <a:t>DNF5</a:t>
+            </a:r>
+            <a:endParaRPr lang="es-PE" sz="1200" dirty="0">
+              <a:solidFill>
+                <a:sysClr val="windowText" lastClr="000000"/>
+              </a:solidFill>
+            </a:endParaRPr>
+          </a:p>
+        </p:txBody>
+      </p:sp>
+      <p:sp>
+        <p:nvSpPr>
+          <p:cNvPr id="103" name="Rectángulo 54">
+            <a:extLst>
+              <a:ext uri="{FF2B5EF4-FFF2-40B4-BE49-F238E27FC236}">
+                <a16:creationId xmlns:a16="http://schemas.microsoft.com/office/drawing/2014/main" id="{46FBAC84-C4E4-4217-4D40-5B07C6E5796B}"/>
+              </a:ext>
+            </a:extLst>
+          </p:cNvPr>
+          <p:cNvSpPr/>
+          <p:nvPr/>
+        </p:nvSpPr>
+        <p:spPr>
+          <a:xfrm>
+            <a:off x="8656634" y="4419359"/>
+            <a:ext cx="360000" cy="360000"/>
+          </a:xfrm>
+          <a:prstGeom prst="rect">
+            <a:avLst/>
+          </a:prstGeom>
+          <a:noFill/>
+          <a:ln>
+            <a:solidFill>
+              <a:schemeClr val="tx1"/>
+            </a:solidFill>
+          </a:ln>
+        </p:spPr>
+        <p:style>
+          <a:lnRef idx="2">
+            <a:schemeClr val="accent1">
+              <a:shade val="50000"/>
+            </a:schemeClr>
+          </a:lnRef>
+          <a:fillRef idx="1">
+            <a:schemeClr val="accent1"/>
+          </a:fillRef>
+          <a:effectRef idx="0">
+            <a:schemeClr val="accent1"/>
+          </a:effectRef>
+          <a:fontRef idx="minor">
+            <a:schemeClr val="lt1"/>
+          </a:fontRef>
+        </p:style>
+        <p:txBody>
+          <a:bodyPr lIns="0" tIns="0" rIns="0" bIns="0" rtlCol="0" anchor="ctr"/>
+          <a:lstStyle/>
+          <a:p>
+            <a:pPr algn="ctr"/>
+            <a:r>
+              <a:rPr lang="es-PE" sz="1000" dirty="0">
+                <a:solidFill>
+                  <a:sysClr val="windowText" lastClr="000000"/>
+                </a:solidFill>
+              </a:rPr>
+              <a:t>DNF6</a:t>
+            </a:r>
+            <a:endParaRPr lang="es-PE" sz="1200" dirty="0">
+              <a:solidFill>
+                <a:sysClr val="windowText" lastClr="000000"/>
+              </a:solidFill>
+            </a:endParaRPr>
+          </a:p>
+        </p:txBody>
+      </p:sp>
+      <p:cxnSp>
+        <p:nvCxnSpPr>
+          <p:cNvPr id="105" name="Straight Arrow Connector 104">
+            <a:extLst>
+              <a:ext uri="{FF2B5EF4-FFF2-40B4-BE49-F238E27FC236}">
+                <a16:creationId xmlns:a16="http://schemas.microsoft.com/office/drawing/2014/main" id="{BB4526C0-293C-6520-FB52-EFE754D9EADE}"/>
+              </a:ext>
+            </a:extLst>
+          </p:cNvPr>
+          <p:cNvCxnSpPr>
+            <a:stCxn id="87" idx="4"/>
+            <a:endCxn id="98" idx="0"/>
+          </p:cNvCxnSpPr>
+          <p:nvPr/>
+        </p:nvCxnSpPr>
+        <p:spPr>
+          <a:xfrm flipH="1">
+            <a:off x="6537626" y="3884632"/>
+            <a:ext cx="1514790" cy="534727"/>
+          </a:xfrm>
+          <a:prstGeom prst="straightConnector1">
+            <a:avLst/>
+          </a:prstGeom>
+          <a:ln>
+            <a:solidFill>
+              <a:schemeClr val="tx1"/>
+            </a:solidFill>
+            <a:tailEnd type="triangle"/>
+          </a:ln>
+        </p:spPr>
+        <p:style>
+          <a:lnRef idx="1">
+            <a:schemeClr val="accent1"/>
+          </a:lnRef>
+          <a:fillRef idx="0">
+            <a:schemeClr val="accent1"/>
+          </a:fillRef>
+          <a:effectRef idx="0">
+            <a:schemeClr val="accent1"/>
+          </a:effectRef>
+          <a:fontRef idx="minor">
+            <a:schemeClr val="tx1"/>
+          </a:fontRef>
+        </p:style>
+      </p:cxnSp>
+      <p:cxnSp>
+        <p:nvCxnSpPr>
+          <p:cNvPr id="107" name="Straight Arrow Connector 106">
+            <a:extLst>
+              <a:ext uri="{FF2B5EF4-FFF2-40B4-BE49-F238E27FC236}">
+                <a16:creationId xmlns:a16="http://schemas.microsoft.com/office/drawing/2014/main" id="{CE199B5B-3ED1-86A6-921C-AF3859656096}"/>
+              </a:ext>
+            </a:extLst>
+          </p:cNvPr>
+          <p:cNvCxnSpPr>
+            <a:stCxn id="87" idx="4"/>
+            <a:endCxn id="99" idx="0"/>
+          </p:cNvCxnSpPr>
+          <p:nvPr/>
+        </p:nvCxnSpPr>
+        <p:spPr>
+          <a:xfrm flipH="1">
+            <a:off x="6999765" y="3884632"/>
+            <a:ext cx="1052651" cy="534727"/>
+          </a:xfrm>
+          <a:prstGeom prst="straightConnector1">
+            <a:avLst/>
+          </a:prstGeom>
+          <a:ln>
+            <a:solidFill>
+              <a:schemeClr val="tx1"/>
+            </a:solidFill>
+            <a:tailEnd type="triangle"/>
+          </a:ln>
+        </p:spPr>
+        <p:style>
+          <a:lnRef idx="1">
+            <a:schemeClr val="accent1"/>
+          </a:lnRef>
+          <a:fillRef idx="0">
+            <a:schemeClr val="accent1"/>
+          </a:fillRef>
+          <a:effectRef idx="0">
+            <a:schemeClr val="accent1"/>
+          </a:effectRef>
+          <a:fontRef idx="minor">
+            <a:schemeClr val="tx1"/>
+          </a:fontRef>
+        </p:style>
+      </p:cxnSp>
+      <p:cxnSp>
+        <p:nvCxnSpPr>
+          <p:cNvPr id="109" name="Straight Arrow Connector 108">
+            <a:extLst>
+              <a:ext uri="{FF2B5EF4-FFF2-40B4-BE49-F238E27FC236}">
+                <a16:creationId xmlns:a16="http://schemas.microsoft.com/office/drawing/2014/main" id="{0A81650C-C0CB-C814-04B4-A662CF7F5F7B}"/>
+              </a:ext>
+            </a:extLst>
+          </p:cNvPr>
+          <p:cNvCxnSpPr>
+            <a:stCxn id="87" idx="4"/>
+            <a:endCxn id="100" idx="0"/>
+          </p:cNvCxnSpPr>
+          <p:nvPr/>
+        </p:nvCxnSpPr>
+        <p:spPr>
+          <a:xfrm flipH="1">
+            <a:off x="7455270" y="3884632"/>
+            <a:ext cx="597146" cy="534727"/>
+          </a:xfrm>
+          <a:prstGeom prst="straightConnector1">
+            <a:avLst/>
+          </a:prstGeom>
+          <a:ln>
+            <a:solidFill>
+              <a:schemeClr val="tx1"/>
+            </a:solidFill>
+            <a:tailEnd type="triangle"/>
+          </a:ln>
+        </p:spPr>
+        <p:style>
+          <a:lnRef idx="1">
+            <a:schemeClr val="accent1"/>
+          </a:lnRef>
+          <a:fillRef idx="0">
+            <a:schemeClr val="accent1"/>
+          </a:fillRef>
+          <a:effectRef idx="0">
+            <a:schemeClr val="accent1"/>
+          </a:effectRef>
+          <a:fontRef idx="minor">
+            <a:schemeClr val="tx1"/>
+          </a:fontRef>
+        </p:style>
+      </p:cxnSp>
+      <p:cxnSp>
+        <p:nvCxnSpPr>
+          <p:cNvPr id="111" name="Straight Arrow Connector 110">
+            <a:extLst>
+              <a:ext uri="{FF2B5EF4-FFF2-40B4-BE49-F238E27FC236}">
+                <a16:creationId xmlns:a16="http://schemas.microsoft.com/office/drawing/2014/main" id="{56BD97FC-9C0B-DAE1-3916-13A1A665E9BD}"/>
+              </a:ext>
+            </a:extLst>
+          </p:cNvPr>
+          <p:cNvCxnSpPr>
+            <a:stCxn id="87" idx="4"/>
+            <a:endCxn id="101" idx="0"/>
+          </p:cNvCxnSpPr>
+          <p:nvPr/>
+        </p:nvCxnSpPr>
+        <p:spPr>
+          <a:xfrm flipH="1">
+            <a:off x="7917409" y="3884632"/>
+            <a:ext cx="135007" cy="534727"/>
+          </a:xfrm>
+          <a:prstGeom prst="straightConnector1">
+            <a:avLst/>
+          </a:prstGeom>
+          <a:ln>
+            <a:solidFill>
+              <a:schemeClr val="tx1"/>
+            </a:solidFill>
+            <a:tailEnd type="triangle"/>
+          </a:ln>
+        </p:spPr>
+        <p:style>
+          <a:lnRef idx="1">
+            <a:schemeClr val="accent1"/>
+          </a:lnRef>
+          <a:fillRef idx="0">
+            <a:schemeClr val="accent1"/>
+          </a:fillRef>
+          <a:effectRef idx="0">
+            <a:schemeClr val="accent1"/>
+          </a:effectRef>
+          <a:fontRef idx="minor">
+            <a:schemeClr val="tx1"/>
+          </a:fontRef>
+        </p:style>
+      </p:cxnSp>
+      <p:cxnSp>
+        <p:nvCxnSpPr>
+          <p:cNvPr id="113" name="Straight Arrow Connector 112">
+            <a:extLst>
+              <a:ext uri="{FF2B5EF4-FFF2-40B4-BE49-F238E27FC236}">
+                <a16:creationId xmlns:a16="http://schemas.microsoft.com/office/drawing/2014/main" id="{A8622ABC-8E5E-93D0-9CC1-BDF693CC4AD5}"/>
+              </a:ext>
+            </a:extLst>
+          </p:cNvPr>
+          <p:cNvCxnSpPr>
+            <a:stCxn id="87" idx="4"/>
+            <a:endCxn id="102" idx="0"/>
+          </p:cNvCxnSpPr>
+          <p:nvPr/>
+        </p:nvCxnSpPr>
+        <p:spPr>
+          <a:xfrm>
+            <a:off x="8052416" y="3884632"/>
+            <a:ext cx="322079" cy="534727"/>
+          </a:xfrm>
+          <a:prstGeom prst="straightConnector1">
+            <a:avLst/>
+          </a:prstGeom>
+          <a:ln>
+            <a:solidFill>
+              <a:schemeClr val="tx1"/>
+            </a:solidFill>
+            <a:tailEnd type="triangle"/>
+          </a:ln>
+        </p:spPr>
+        <p:style>
+          <a:lnRef idx="1">
+            <a:schemeClr val="accent1"/>
+          </a:lnRef>
+          <a:fillRef idx="0">
+            <a:schemeClr val="accent1"/>
+          </a:fillRef>
+          <a:effectRef idx="0">
+            <a:schemeClr val="accent1"/>
+          </a:effectRef>
+          <a:fontRef idx="minor">
+            <a:schemeClr val="tx1"/>
+          </a:fontRef>
+        </p:style>
+      </p:cxnSp>
+      <p:cxnSp>
+        <p:nvCxnSpPr>
+          <p:cNvPr id="115" name="Straight Arrow Connector 114">
+            <a:extLst>
+              <a:ext uri="{FF2B5EF4-FFF2-40B4-BE49-F238E27FC236}">
+                <a16:creationId xmlns:a16="http://schemas.microsoft.com/office/drawing/2014/main" id="{B6C5D596-5EEE-F2A3-9BAA-65513A6272BD}"/>
+              </a:ext>
+            </a:extLst>
+          </p:cNvPr>
+          <p:cNvCxnSpPr>
+            <a:stCxn id="87" idx="4"/>
+            <a:endCxn id="103" idx="0"/>
+          </p:cNvCxnSpPr>
+          <p:nvPr/>
+        </p:nvCxnSpPr>
+        <p:spPr>
+          <a:xfrm>
+            <a:off x="8052416" y="3884632"/>
+            <a:ext cx="784218" cy="534727"/>
+          </a:xfrm>
+          <a:prstGeom prst="straightConnector1">
+            <a:avLst/>
+          </a:prstGeom>
+          <a:ln>
+            <a:solidFill>
+              <a:schemeClr val="tx1"/>
+            </a:solidFill>
+            <a:tailEnd type="triangle"/>
+          </a:ln>
+        </p:spPr>
+        <p:style>
+          <a:lnRef idx="1">
+            <a:schemeClr val="accent1"/>
+          </a:lnRef>
+          <a:fillRef idx="0">
+            <a:schemeClr val="accent1"/>
+          </a:fillRef>
+          <a:effectRef idx="0">
+            <a:schemeClr val="accent1"/>
+          </a:effectRef>
+          <a:fontRef idx="minor">
+            <a:schemeClr val="tx1"/>
+          </a:fontRef>
+        </p:style>
+      </p:cxnSp>
+      <p:sp>
+        <p:nvSpPr>
+          <p:cNvPr id="117" name="Rectángulo 58">
+            <a:extLst>
+              <a:ext uri="{FF2B5EF4-FFF2-40B4-BE49-F238E27FC236}">
+                <a16:creationId xmlns:a16="http://schemas.microsoft.com/office/drawing/2014/main" id="{361F3705-794D-87CA-F158-CCCDB8904120}"/>
+              </a:ext>
+            </a:extLst>
+          </p:cNvPr>
+          <p:cNvSpPr/>
+          <p:nvPr/>
+        </p:nvSpPr>
+        <p:spPr>
+          <a:xfrm>
+            <a:off x="1830484" y="103174"/>
+            <a:ext cx="360000" cy="360000"/>
+          </a:xfrm>
+          <a:prstGeom prst="rect">
+            <a:avLst/>
+          </a:prstGeom>
+          <a:noFill/>
+          <a:ln>
+            <a:solidFill>
+              <a:schemeClr val="tx1"/>
+            </a:solidFill>
+          </a:ln>
+        </p:spPr>
+        <p:style>
+          <a:lnRef idx="2">
+            <a:schemeClr val="accent1">
+              <a:shade val="50000"/>
+            </a:schemeClr>
+          </a:lnRef>
+          <a:fillRef idx="1">
+            <a:schemeClr val="accent1"/>
+          </a:fillRef>
+          <a:effectRef idx="0">
+            <a:schemeClr val="accent1"/>
+          </a:effectRef>
+          <a:fontRef idx="minor">
+            <a:schemeClr val="lt1"/>
+          </a:fontRef>
+        </p:style>
+        <p:txBody>
+          <a:bodyPr lIns="0" tIns="0" rIns="0" bIns="0" rtlCol="0" anchor="ctr"/>
           <a:lstStyle/>
           <a:p>
             <a:pPr algn="ctr"/>
@@ -5891,35 +8012,89 @@
                   <a:sysClr val="windowText" lastClr="000000"/>
                 </a:solidFill>
               </a:rPr>
-              <a:t>DF</a:t>
-            </a:r>
-            <a:endParaRPr lang="es-PE" sz="1200" dirty="0">
-              <a:solidFill>
-                <a:sysClr val="windowText" lastClr="000000"/>
-              </a:solidFill>
-            </a:endParaRPr>
+              <a:t>DP’</a:t>
+            </a:r>
+          </a:p>
+        </p:txBody>
+      </p:sp>
+      <p:sp>
+        <p:nvSpPr>
+          <p:cNvPr id="118" name="Rectángulo 58">
+            <a:extLst>
+              <a:ext uri="{FF2B5EF4-FFF2-40B4-BE49-F238E27FC236}">
+                <a16:creationId xmlns:a16="http://schemas.microsoft.com/office/drawing/2014/main" id="{7C3481F1-0E7C-3140-70FD-02A23C55690A}"/>
+              </a:ext>
+            </a:extLst>
+          </p:cNvPr>
+          <p:cNvSpPr/>
+          <p:nvPr/>
+        </p:nvSpPr>
+        <p:spPr>
+          <a:xfrm>
+            <a:off x="2619498" y="103645"/>
+            <a:ext cx="360000" cy="360000"/>
+          </a:xfrm>
+          <a:prstGeom prst="rect">
+            <a:avLst/>
+          </a:prstGeom>
+          <a:noFill/>
+          <a:ln>
+            <a:solidFill>
+              <a:schemeClr val="tx1"/>
+            </a:solidFill>
+          </a:ln>
+        </p:spPr>
+        <p:style>
+          <a:lnRef idx="2">
+            <a:schemeClr val="accent1">
+              <a:shade val="50000"/>
+            </a:schemeClr>
+          </a:lnRef>
+          <a:fillRef idx="1">
+            <a:schemeClr val="accent1"/>
+          </a:fillRef>
+          <a:effectRef idx="0">
+            <a:schemeClr val="accent1"/>
+          </a:effectRef>
+          <a:fontRef idx="minor">
+            <a:schemeClr val="lt1"/>
+          </a:fontRef>
+        </p:style>
+        <p:txBody>
+          <a:bodyPr lIns="0" tIns="0" rIns="0" bIns="0" rtlCol="0" anchor="ctr"/>
+          <a:lstStyle/>
+          <a:p>
+            <a:pPr algn="ctr"/>
+            <a:r>
+              <a:rPr lang="es-PE" sz="1050" dirty="0">
+                <a:solidFill>
+                  <a:sysClr val="windowText" lastClr="000000"/>
+                </a:solidFill>
+              </a:rPr>
+              <a:t>SC’</a:t>
+            </a:r>
           </a:p>
         </p:txBody>
       </p:sp>
       <p:cxnSp>
         <p:nvCxnSpPr>
-          <p:cNvPr id="74" name="Straight Arrow Connector 73">
-            <a:extLst>
-              <a:ext uri="{FF2B5EF4-FFF2-40B4-BE49-F238E27FC236}">
-                <a16:creationId xmlns:a16="http://schemas.microsoft.com/office/drawing/2014/main" id="{AB4C59EA-E321-50AB-2DB6-0230FE964B3C}"/>
+          <p:cNvPr id="120" name="Straight Arrow Connector 119">
+            <a:extLst>
+              <a:ext uri="{FF2B5EF4-FFF2-40B4-BE49-F238E27FC236}">
+                <a16:creationId xmlns:a16="http://schemas.microsoft.com/office/drawing/2014/main" id="{677F5FF5-66F4-C5E7-E05C-2D1E61B8F3EE}"/>
               </a:ext>
             </a:extLst>
           </p:cNvPr>
           <p:cNvCxnSpPr>
-            <a:stCxn id="71" idx="6"/>
-            <a:endCxn id="72" idx="1"/>
+            <a:stCxn id="61" idx="0"/>
+            <a:endCxn id="117" idx="2"/>
           </p:cNvCxnSpPr>
           <p:nvPr/>
         </p:nvCxnSpPr>
         <p:spPr>
-          <a:xfrm flipV="1">
-            <a:off x="7928393" y="2937751"/>
-            <a:ext cx="382660" cy="365743"/>
+          <a:xfrm flipH="1" flipV="1">
+            <a:off x="2010484" y="463174"/>
+            <a:ext cx="380669" cy="42361"/>
           </a:xfrm>
           <a:prstGeom prst="straightConnector1">
             <a:avLst/>
@@ -5948,23 +8123,1373 @@
       </p:cxnSp>
       <p:cxnSp>
         <p:nvCxnSpPr>
-          <p:cNvPr id="76" name="Straight Arrow Connector 75">
-            <a:extLst>
-              <a:ext uri="{FF2B5EF4-FFF2-40B4-BE49-F238E27FC236}">
-                <a16:creationId xmlns:a16="http://schemas.microsoft.com/office/drawing/2014/main" id="{3EE9EE4D-5F19-8921-00C9-C3B773083C7E}"/>
+          <p:cNvPr id="122" name="Straight Arrow Connector 121">
+            <a:extLst>
+              <a:ext uri="{FF2B5EF4-FFF2-40B4-BE49-F238E27FC236}">
+                <a16:creationId xmlns:a16="http://schemas.microsoft.com/office/drawing/2014/main" id="{FDCA3159-AA12-ABAF-9940-951F1BA08EDE}"/>
               </a:ext>
             </a:extLst>
           </p:cNvPr>
           <p:cNvCxnSpPr>
-            <a:stCxn id="71" idx="6"/>
-            <a:endCxn id="70" idx="1"/>
+            <a:stCxn id="61" idx="0"/>
+            <a:endCxn id="118" idx="2"/>
           </p:cNvCxnSpPr>
           <p:nvPr/>
         </p:nvCxnSpPr>
         <p:spPr>
+          <a:xfrm flipV="1">
+            <a:off x="2391153" y="463645"/>
+            <a:ext cx="408345" cy="41890"/>
+          </a:xfrm>
+          <a:prstGeom prst="straightConnector1">
+            <a:avLst/>
+          </a:prstGeom>
+          <a:ln>
+            <a:solidFill>
+              <a:schemeClr val="tx1"/>
+            </a:solidFill>
+            <a:tailEnd type="triangle"/>
+          </a:ln>
+        </p:spPr>
+        <p:style>
+          <a:lnRef idx="1">
+            <a:schemeClr val="accent1"/>
+          </a:lnRef>
+          <a:fillRef idx="0">
+            <a:schemeClr val="accent1"/>
+          </a:fillRef>
+          <a:effectRef idx="0">
+            <a:schemeClr val="accent1"/>
+          </a:effectRef>
+          <a:fontRef idx="minor">
+            <a:schemeClr val="tx1"/>
+          </a:fontRef>
+        </p:style>
+      </p:cxnSp>
+      <p:sp>
+        <p:nvSpPr>
+          <p:cNvPr id="123" name="Rectángulo 58">
+            <a:extLst>
+              <a:ext uri="{FF2B5EF4-FFF2-40B4-BE49-F238E27FC236}">
+                <a16:creationId xmlns:a16="http://schemas.microsoft.com/office/drawing/2014/main" id="{794A6681-0730-8552-0A19-553FF14955F1}"/>
+              </a:ext>
+            </a:extLst>
+          </p:cNvPr>
+          <p:cNvSpPr/>
+          <p:nvPr/>
+        </p:nvSpPr>
+        <p:spPr>
           <a:xfrm>
-            <a:off x="7928393" y="3303494"/>
-            <a:ext cx="382660" cy="415286"/>
+            <a:off x="3086296" y="98296"/>
+            <a:ext cx="360000" cy="360000"/>
+          </a:xfrm>
+          <a:prstGeom prst="rect">
+            <a:avLst/>
+          </a:prstGeom>
+          <a:noFill/>
+          <a:ln>
+            <a:solidFill>
+              <a:schemeClr val="tx1"/>
+            </a:solidFill>
+          </a:ln>
+        </p:spPr>
+        <p:style>
+          <a:lnRef idx="2">
+            <a:schemeClr val="accent1">
+              <a:shade val="50000"/>
+            </a:schemeClr>
+          </a:lnRef>
+          <a:fillRef idx="1">
+            <a:schemeClr val="accent1"/>
+          </a:fillRef>
+          <a:effectRef idx="0">
+            <a:schemeClr val="accent1"/>
+          </a:effectRef>
+          <a:fontRef idx="minor">
+            <a:schemeClr val="lt1"/>
+          </a:fontRef>
+        </p:style>
+        <p:txBody>
+          <a:bodyPr lIns="0" tIns="0" rIns="0" bIns="0" rtlCol="0" anchor="ctr"/>
+          <a:lstStyle/>
+          <a:p>
+            <a:pPr algn="ctr"/>
+            <a:r>
+              <a:rPr lang="es-PE" sz="1050" dirty="0">
+                <a:solidFill>
+                  <a:sysClr val="windowText" lastClr="000000"/>
+                </a:solidFill>
+              </a:rPr>
+              <a:t>GP’</a:t>
+            </a:r>
+          </a:p>
+        </p:txBody>
+      </p:sp>
+      <p:sp>
+        <p:nvSpPr>
+          <p:cNvPr id="124" name="Rectángulo 58">
+            <a:extLst>
+              <a:ext uri="{FF2B5EF4-FFF2-40B4-BE49-F238E27FC236}">
+                <a16:creationId xmlns:a16="http://schemas.microsoft.com/office/drawing/2014/main" id="{ED49A021-7295-2803-3592-2CB2549EA070}"/>
+              </a:ext>
+            </a:extLst>
+          </p:cNvPr>
+          <p:cNvSpPr/>
+          <p:nvPr/>
+        </p:nvSpPr>
+        <p:spPr>
+          <a:xfrm>
+            <a:off x="3545001" y="98547"/>
+            <a:ext cx="360000" cy="360000"/>
+          </a:xfrm>
+          <a:prstGeom prst="rect">
+            <a:avLst/>
+          </a:prstGeom>
+          <a:noFill/>
+          <a:ln>
+            <a:solidFill>
+              <a:schemeClr val="tx1"/>
+            </a:solidFill>
+          </a:ln>
+        </p:spPr>
+        <p:style>
+          <a:lnRef idx="2">
+            <a:schemeClr val="accent1">
+              <a:shade val="50000"/>
+            </a:schemeClr>
+          </a:lnRef>
+          <a:fillRef idx="1">
+            <a:schemeClr val="accent1"/>
+          </a:fillRef>
+          <a:effectRef idx="0">
+            <a:schemeClr val="accent1"/>
+          </a:effectRef>
+          <a:fontRef idx="minor">
+            <a:schemeClr val="lt1"/>
+          </a:fontRef>
+        </p:style>
+        <p:txBody>
+          <a:bodyPr lIns="0" tIns="0" rIns="0" bIns="0" rtlCol="0" anchor="ctr"/>
+          <a:lstStyle/>
+          <a:p>
+            <a:pPr algn="ctr"/>
+            <a:r>
+              <a:rPr lang="es-PE" sz="1050" dirty="0">
+                <a:solidFill>
+                  <a:sysClr val="windowText" lastClr="000000"/>
+                </a:solidFill>
+              </a:rPr>
+              <a:t>CTU’</a:t>
+            </a:r>
+          </a:p>
+        </p:txBody>
+      </p:sp>
+      <p:sp>
+        <p:nvSpPr>
+          <p:cNvPr id="126" name="Rectángulo 58">
+            <a:extLst>
+              <a:ext uri="{FF2B5EF4-FFF2-40B4-BE49-F238E27FC236}">
+                <a16:creationId xmlns:a16="http://schemas.microsoft.com/office/drawing/2014/main" id="{75C840B3-1208-93B4-ED9D-35ADDD9F6174}"/>
+              </a:ext>
+            </a:extLst>
+          </p:cNvPr>
+          <p:cNvSpPr/>
+          <p:nvPr/>
+        </p:nvSpPr>
+        <p:spPr>
+          <a:xfrm>
+            <a:off x="4001952" y="101111"/>
+            <a:ext cx="360000" cy="360000"/>
+          </a:xfrm>
+          <a:prstGeom prst="rect">
+            <a:avLst/>
+          </a:prstGeom>
+          <a:noFill/>
+          <a:ln>
+            <a:solidFill>
+              <a:schemeClr val="tx1"/>
+            </a:solidFill>
+          </a:ln>
+        </p:spPr>
+        <p:style>
+          <a:lnRef idx="2">
+            <a:schemeClr val="accent1">
+              <a:shade val="50000"/>
+            </a:schemeClr>
+          </a:lnRef>
+          <a:fillRef idx="1">
+            <a:schemeClr val="accent1"/>
+          </a:fillRef>
+          <a:effectRef idx="0">
+            <a:schemeClr val="accent1"/>
+          </a:effectRef>
+          <a:fontRef idx="minor">
+            <a:schemeClr val="lt1"/>
+          </a:fontRef>
+        </p:style>
+        <p:txBody>
+          <a:bodyPr lIns="0" tIns="0" rIns="0" bIns="0" rtlCol="0" anchor="ctr"/>
+          <a:lstStyle/>
+          <a:p>
+            <a:pPr algn="ctr"/>
+            <a:r>
+              <a:rPr lang="es-PE" sz="1050" dirty="0">
+                <a:solidFill>
+                  <a:sysClr val="windowText" lastClr="000000"/>
+                </a:solidFill>
+              </a:rPr>
+              <a:t>SAT’</a:t>
+            </a:r>
+          </a:p>
+        </p:txBody>
+      </p:sp>
+      <p:cxnSp>
+        <p:nvCxnSpPr>
+          <p:cNvPr id="128" name="Straight Arrow Connector 127">
+            <a:extLst>
+              <a:ext uri="{FF2B5EF4-FFF2-40B4-BE49-F238E27FC236}">
+                <a16:creationId xmlns:a16="http://schemas.microsoft.com/office/drawing/2014/main" id="{861DD341-CDFF-EA94-55C5-52E5D19D7790}"/>
+              </a:ext>
+            </a:extLst>
+          </p:cNvPr>
+          <p:cNvCxnSpPr>
+            <a:stCxn id="62" idx="0"/>
+            <a:endCxn id="123" idx="2"/>
+          </p:cNvCxnSpPr>
+          <p:nvPr/>
+        </p:nvCxnSpPr>
+        <p:spPr>
+          <a:xfrm flipH="1" flipV="1">
+            <a:off x="3266296" y="458296"/>
+            <a:ext cx="581481" cy="52817"/>
+          </a:xfrm>
+          <a:prstGeom prst="straightConnector1">
+            <a:avLst/>
+          </a:prstGeom>
+          <a:ln>
+            <a:solidFill>
+              <a:schemeClr val="tx1"/>
+            </a:solidFill>
+            <a:tailEnd type="triangle"/>
+          </a:ln>
+        </p:spPr>
+        <p:style>
+          <a:lnRef idx="1">
+            <a:schemeClr val="accent1"/>
+          </a:lnRef>
+          <a:fillRef idx="0">
+            <a:schemeClr val="accent1"/>
+          </a:fillRef>
+          <a:effectRef idx="0">
+            <a:schemeClr val="accent1"/>
+          </a:effectRef>
+          <a:fontRef idx="minor">
+            <a:schemeClr val="tx1"/>
+          </a:fontRef>
+        </p:style>
+      </p:cxnSp>
+      <p:cxnSp>
+        <p:nvCxnSpPr>
+          <p:cNvPr id="130" name="Straight Arrow Connector 129">
+            <a:extLst>
+              <a:ext uri="{FF2B5EF4-FFF2-40B4-BE49-F238E27FC236}">
+                <a16:creationId xmlns:a16="http://schemas.microsoft.com/office/drawing/2014/main" id="{CEA05E5C-BD0F-2C89-1450-667106B26F99}"/>
+              </a:ext>
+            </a:extLst>
+          </p:cNvPr>
+          <p:cNvCxnSpPr>
+            <a:endCxn id="124" idx="2"/>
+          </p:cNvCxnSpPr>
+          <p:nvPr/>
+        </p:nvCxnSpPr>
+        <p:spPr>
+          <a:xfrm flipH="1" flipV="1">
+            <a:off x="3725001" y="458547"/>
+            <a:ext cx="122776" cy="46988"/>
+          </a:xfrm>
+          <a:prstGeom prst="straightConnector1">
+            <a:avLst/>
+          </a:prstGeom>
+          <a:ln>
+            <a:solidFill>
+              <a:schemeClr val="tx1"/>
+            </a:solidFill>
+            <a:tailEnd type="triangle"/>
+          </a:ln>
+        </p:spPr>
+        <p:style>
+          <a:lnRef idx="1">
+            <a:schemeClr val="accent1"/>
+          </a:lnRef>
+          <a:fillRef idx="0">
+            <a:schemeClr val="accent1"/>
+          </a:fillRef>
+          <a:effectRef idx="0">
+            <a:schemeClr val="accent1"/>
+          </a:effectRef>
+          <a:fontRef idx="minor">
+            <a:schemeClr val="tx1"/>
+          </a:fontRef>
+        </p:style>
+      </p:cxnSp>
+      <p:cxnSp>
+        <p:nvCxnSpPr>
+          <p:cNvPr id="134" name="Straight Arrow Connector 133">
+            <a:extLst>
+              <a:ext uri="{FF2B5EF4-FFF2-40B4-BE49-F238E27FC236}">
+                <a16:creationId xmlns:a16="http://schemas.microsoft.com/office/drawing/2014/main" id="{F0D409A6-0987-714C-A964-65E216A92059}"/>
+              </a:ext>
+            </a:extLst>
+          </p:cNvPr>
+          <p:cNvCxnSpPr>
+            <a:stCxn id="62" idx="0"/>
+            <a:endCxn id="126" idx="2"/>
+          </p:cNvCxnSpPr>
+          <p:nvPr/>
+        </p:nvCxnSpPr>
+        <p:spPr>
+          <a:xfrm flipV="1">
+            <a:off x="3847777" y="461111"/>
+            <a:ext cx="334175" cy="50002"/>
+          </a:xfrm>
+          <a:prstGeom prst="straightConnector1">
+            <a:avLst/>
+          </a:prstGeom>
+          <a:ln>
+            <a:solidFill>
+              <a:schemeClr val="tx1"/>
+            </a:solidFill>
+            <a:tailEnd type="triangle"/>
+          </a:ln>
+        </p:spPr>
+        <p:style>
+          <a:lnRef idx="1">
+            <a:schemeClr val="accent1"/>
+          </a:lnRef>
+          <a:fillRef idx="0">
+            <a:schemeClr val="accent1"/>
+          </a:fillRef>
+          <a:effectRef idx="0">
+            <a:schemeClr val="accent1"/>
+          </a:effectRef>
+          <a:fontRef idx="minor">
+            <a:schemeClr val="tx1"/>
+          </a:fontRef>
+        </p:style>
+      </p:cxnSp>
+      <p:sp>
+        <p:nvSpPr>
+          <p:cNvPr id="135" name="Rectángulo 58">
+            <a:extLst>
+              <a:ext uri="{FF2B5EF4-FFF2-40B4-BE49-F238E27FC236}">
+                <a16:creationId xmlns:a16="http://schemas.microsoft.com/office/drawing/2014/main" id="{193E08E6-0E03-99A0-5D43-4ACB2DF790C4}"/>
+              </a:ext>
+            </a:extLst>
+          </p:cNvPr>
+          <p:cNvSpPr/>
+          <p:nvPr/>
+        </p:nvSpPr>
+        <p:spPr>
+          <a:xfrm>
+            <a:off x="4478247" y="100530"/>
+            <a:ext cx="360000" cy="360000"/>
+          </a:xfrm>
+          <a:prstGeom prst="rect">
+            <a:avLst/>
+          </a:prstGeom>
+          <a:noFill/>
+          <a:ln>
+            <a:solidFill>
+              <a:schemeClr val="tx1"/>
+            </a:solidFill>
+          </a:ln>
+        </p:spPr>
+        <p:style>
+          <a:lnRef idx="2">
+            <a:schemeClr val="accent1">
+              <a:shade val="50000"/>
+            </a:schemeClr>
+          </a:lnRef>
+          <a:fillRef idx="1">
+            <a:schemeClr val="accent1"/>
+          </a:fillRef>
+          <a:effectRef idx="0">
+            <a:schemeClr val="accent1"/>
+          </a:effectRef>
+          <a:fontRef idx="minor">
+            <a:schemeClr val="lt1"/>
+          </a:fontRef>
+        </p:style>
+        <p:txBody>
+          <a:bodyPr lIns="0" tIns="0" rIns="0" bIns="0" rtlCol="0" anchor="ctr"/>
+          <a:lstStyle/>
+          <a:p>
+            <a:pPr algn="ctr"/>
+            <a:r>
+              <a:rPr lang="es-PE" sz="1050" dirty="0">
+                <a:solidFill>
+                  <a:sysClr val="windowText" lastClr="000000"/>
+                </a:solidFill>
+              </a:rPr>
+              <a:t>SIP’</a:t>
+            </a:r>
+          </a:p>
+        </p:txBody>
+      </p:sp>
+      <p:sp>
+        <p:nvSpPr>
+          <p:cNvPr id="136" name="Rectángulo 58">
+            <a:extLst>
+              <a:ext uri="{FF2B5EF4-FFF2-40B4-BE49-F238E27FC236}">
+                <a16:creationId xmlns:a16="http://schemas.microsoft.com/office/drawing/2014/main" id="{B1D7E9EF-7DB1-951B-FC9E-881954BDCF9C}"/>
+              </a:ext>
+            </a:extLst>
+          </p:cNvPr>
+          <p:cNvSpPr/>
+          <p:nvPr/>
+        </p:nvSpPr>
+        <p:spPr>
+          <a:xfrm>
+            <a:off x="4921336" y="102843"/>
+            <a:ext cx="360000" cy="360000"/>
+          </a:xfrm>
+          <a:prstGeom prst="rect">
+            <a:avLst/>
+          </a:prstGeom>
+          <a:noFill/>
+          <a:ln>
+            <a:solidFill>
+              <a:schemeClr val="tx1"/>
+            </a:solidFill>
+          </a:ln>
+        </p:spPr>
+        <p:style>
+          <a:lnRef idx="2">
+            <a:schemeClr val="accent1">
+              <a:shade val="50000"/>
+            </a:schemeClr>
+          </a:lnRef>
+          <a:fillRef idx="1">
+            <a:schemeClr val="accent1"/>
+          </a:fillRef>
+          <a:effectRef idx="0">
+            <a:schemeClr val="accent1"/>
+          </a:effectRef>
+          <a:fontRef idx="minor">
+            <a:schemeClr val="lt1"/>
+          </a:fontRef>
+        </p:style>
+        <p:txBody>
+          <a:bodyPr lIns="0" tIns="0" rIns="0" bIns="0" rtlCol="0" anchor="ctr"/>
+          <a:lstStyle/>
+          <a:p>
+            <a:pPr algn="ctr"/>
+            <a:r>
+              <a:rPr lang="es-PE" sz="1050" dirty="0">
+                <a:solidFill>
+                  <a:sysClr val="windowText" lastClr="000000"/>
+                </a:solidFill>
+              </a:rPr>
+              <a:t>SER’</a:t>
+            </a:r>
+          </a:p>
+        </p:txBody>
+      </p:sp>
+      <p:sp>
+        <p:nvSpPr>
+          <p:cNvPr id="137" name="Rectángulo 58">
+            <a:extLst>
+              <a:ext uri="{FF2B5EF4-FFF2-40B4-BE49-F238E27FC236}">
+                <a16:creationId xmlns:a16="http://schemas.microsoft.com/office/drawing/2014/main" id="{6DF560E7-B620-C946-F42E-AB6B66BB8140}"/>
+              </a:ext>
+            </a:extLst>
+          </p:cNvPr>
+          <p:cNvSpPr/>
+          <p:nvPr/>
+        </p:nvSpPr>
+        <p:spPr>
+          <a:xfrm>
+            <a:off x="5380041" y="103094"/>
+            <a:ext cx="360000" cy="360000"/>
+          </a:xfrm>
+          <a:prstGeom prst="rect">
+            <a:avLst/>
+          </a:prstGeom>
+          <a:noFill/>
+          <a:ln>
+            <a:solidFill>
+              <a:schemeClr val="tx1"/>
+            </a:solidFill>
+          </a:ln>
+        </p:spPr>
+        <p:style>
+          <a:lnRef idx="2">
+            <a:schemeClr val="accent1">
+              <a:shade val="50000"/>
+            </a:schemeClr>
+          </a:lnRef>
+          <a:fillRef idx="1">
+            <a:schemeClr val="accent1"/>
+          </a:fillRef>
+          <a:effectRef idx="0">
+            <a:schemeClr val="accent1"/>
+          </a:effectRef>
+          <a:fontRef idx="minor">
+            <a:schemeClr val="lt1"/>
+          </a:fontRef>
+        </p:style>
+        <p:txBody>
+          <a:bodyPr lIns="0" tIns="0" rIns="0" bIns="0" rtlCol="0" anchor="ctr"/>
+          <a:lstStyle/>
+          <a:p>
+            <a:pPr algn="ctr"/>
+            <a:r>
+              <a:rPr lang="es-PE" sz="1050" dirty="0">
+                <a:solidFill>
+                  <a:sysClr val="windowText" lastClr="000000"/>
+                </a:solidFill>
+              </a:rPr>
+              <a:t>SUR’</a:t>
+            </a:r>
+          </a:p>
+        </p:txBody>
+      </p:sp>
+      <p:cxnSp>
+        <p:nvCxnSpPr>
+          <p:cNvPr id="139" name="Straight Arrow Connector 138">
+            <a:extLst>
+              <a:ext uri="{FF2B5EF4-FFF2-40B4-BE49-F238E27FC236}">
+                <a16:creationId xmlns:a16="http://schemas.microsoft.com/office/drawing/2014/main" id="{28A0AE5E-A660-AC56-D74C-4BCA4405C1E9}"/>
+              </a:ext>
+            </a:extLst>
+          </p:cNvPr>
+          <p:cNvCxnSpPr>
+            <a:cxnSpLocks/>
+            <a:endCxn id="135" idx="2"/>
+          </p:cNvCxnSpPr>
+          <p:nvPr/>
+        </p:nvCxnSpPr>
+        <p:spPr>
+          <a:xfrm flipH="1" flipV="1">
+            <a:off x="4658247" y="460530"/>
+            <a:ext cx="263089" cy="50583"/>
+          </a:xfrm>
+          <a:prstGeom prst="straightConnector1">
+            <a:avLst/>
+          </a:prstGeom>
+          <a:ln>
+            <a:solidFill>
+              <a:schemeClr val="tx1"/>
+            </a:solidFill>
+            <a:tailEnd type="triangle"/>
+          </a:ln>
+        </p:spPr>
+        <p:style>
+          <a:lnRef idx="1">
+            <a:schemeClr val="accent1"/>
+          </a:lnRef>
+          <a:fillRef idx="0">
+            <a:schemeClr val="accent1"/>
+          </a:fillRef>
+          <a:effectRef idx="0">
+            <a:schemeClr val="accent1"/>
+          </a:effectRef>
+          <a:fontRef idx="minor">
+            <a:schemeClr val="tx1"/>
+          </a:fontRef>
+        </p:style>
+      </p:cxnSp>
+      <p:cxnSp>
+        <p:nvCxnSpPr>
+          <p:cNvPr id="141" name="Straight Arrow Connector 140">
+            <a:extLst>
+              <a:ext uri="{FF2B5EF4-FFF2-40B4-BE49-F238E27FC236}">
+                <a16:creationId xmlns:a16="http://schemas.microsoft.com/office/drawing/2014/main" id="{9DB513A1-4C9A-7F2E-8056-BD6884AC530B}"/>
+              </a:ext>
+            </a:extLst>
+          </p:cNvPr>
+          <p:cNvCxnSpPr>
+            <a:cxnSpLocks/>
+            <a:endCxn id="136" idx="2"/>
+          </p:cNvCxnSpPr>
+          <p:nvPr/>
+        </p:nvCxnSpPr>
+        <p:spPr>
+          <a:xfrm flipV="1">
+            <a:off x="4921336" y="462843"/>
+            <a:ext cx="180000" cy="48270"/>
+          </a:xfrm>
+          <a:prstGeom prst="straightConnector1">
+            <a:avLst/>
+          </a:prstGeom>
+          <a:ln>
+            <a:solidFill>
+              <a:schemeClr val="tx1"/>
+            </a:solidFill>
+            <a:tailEnd type="triangle"/>
+          </a:ln>
+        </p:spPr>
+        <p:style>
+          <a:lnRef idx="1">
+            <a:schemeClr val="accent1"/>
+          </a:lnRef>
+          <a:fillRef idx="0">
+            <a:schemeClr val="accent1"/>
+          </a:fillRef>
+          <a:effectRef idx="0">
+            <a:schemeClr val="accent1"/>
+          </a:effectRef>
+          <a:fontRef idx="minor">
+            <a:schemeClr val="tx1"/>
+          </a:fontRef>
+        </p:style>
+      </p:cxnSp>
+      <p:cxnSp>
+        <p:nvCxnSpPr>
+          <p:cNvPr id="143" name="Straight Arrow Connector 142">
+            <a:extLst>
+              <a:ext uri="{FF2B5EF4-FFF2-40B4-BE49-F238E27FC236}">
+                <a16:creationId xmlns:a16="http://schemas.microsoft.com/office/drawing/2014/main" id="{831F2E2D-4DEE-FA9A-FC76-0DBB5230A7AA}"/>
+              </a:ext>
+            </a:extLst>
+          </p:cNvPr>
+          <p:cNvCxnSpPr>
+            <a:cxnSpLocks/>
+            <a:endCxn id="137" idx="2"/>
+          </p:cNvCxnSpPr>
+          <p:nvPr/>
+        </p:nvCxnSpPr>
+        <p:spPr>
+          <a:xfrm flipV="1">
+            <a:off x="4921336" y="463094"/>
+            <a:ext cx="638705" cy="48019"/>
+          </a:xfrm>
+          <a:prstGeom prst="straightConnector1">
+            <a:avLst/>
+          </a:prstGeom>
+          <a:ln>
+            <a:solidFill>
+              <a:schemeClr val="tx1"/>
+            </a:solidFill>
+            <a:tailEnd type="triangle"/>
+          </a:ln>
+        </p:spPr>
+        <p:style>
+          <a:lnRef idx="1">
+            <a:schemeClr val="accent1"/>
+          </a:lnRef>
+          <a:fillRef idx="0">
+            <a:schemeClr val="accent1"/>
+          </a:fillRef>
+          <a:effectRef idx="0">
+            <a:schemeClr val="accent1"/>
+          </a:effectRef>
+          <a:fontRef idx="minor">
+            <a:schemeClr val="tx1"/>
+          </a:fontRef>
+        </p:style>
+      </p:cxnSp>
+      <p:sp>
+        <p:nvSpPr>
+          <p:cNvPr id="144" name="Rectángulo 58">
+            <a:extLst>
+              <a:ext uri="{FF2B5EF4-FFF2-40B4-BE49-F238E27FC236}">
+                <a16:creationId xmlns:a16="http://schemas.microsoft.com/office/drawing/2014/main" id="{DB91CFC1-AB89-65BF-855C-E24A1A40F60E}"/>
+              </a:ext>
+            </a:extLst>
+          </p:cNvPr>
+          <p:cNvSpPr/>
+          <p:nvPr/>
+        </p:nvSpPr>
+        <p:spPr>
+          <a:xfrm>
+            <a:off x="5840196" y="91838"/>
+            <a:ext cx="360000" cy="360000"/>
+          </a:xfrm>
+          <a:prstGeom prst="rect">
+            <a:avLst/>
+          </a:prstGeom>
+          <a:noFill/>
+          <a:ln>
+            <a:solidFill>
+              <a:schemeClr val="tx1"/>
+            </a:solidFill>
+          </a:ln>
+        </p:spPr>
+        <p:style>
+          <a:lnRef idx="2">
+            <a:schemeClr val="accent1">
+              <a:shade val="50000"/>
+            </a:schemeClr>
+          </a:lnRef>
+          <a:fillRef idx="1">
+            <a:schemeClr val="accent1"/>
+          </a:fillRef>
+          <a:effectRef idx="0">
+            <a:schemeClr val="accent1"/>
+          </a:effectRef>
+          <a:fontRef idx="minor">
+            <a:schemeClr val="lt1"/>
+          </a:fontRef>
+        </p:style>
+        <p:txBody>
+          <a:bodyPr lIns="0" tIns="0" rIns="0" bIns="0" rtlCol="0" anchor="ctr"/>
+          <a:lstStyle/>
+          <a:p>
+            <a:pPr algn="ctr"/>
+            <a:r>
+              <a:rPr lang="es-PE" sz="1050" dirty="0">
+                <a:solidFill>
+                  <a:sysClr val="windowText" lastClr="000000"/>
+                </a:solidFill>
+              </a:rPr>
+              <a:t>SM’</a:t>
+            </a:r>
+          </a:p>
+        </p:txBody>
+      </p:sp>
+      <p:cxnSp>
+        <p:nvCxnSpPr>
+          <p:cNvPr id="146" name="Straight Arrow Connector 145">
+            <a:extLst>
+              <a:ext uri="{FF2B5EF4-FFF2-40B4-BE49-F238E27FC236}">
+                <a16:creationId xmlns:a16="http://schemas.microsoft.com/office/drawing/2014/main" id="{8043148A-1D92-7140-F281-FFB2BA5BA6C1}"/>
+              </a:ext>
+            </a:extLst>
+          </p:cNvPr>
+          <p:cNvCxnSpPr>
+            <a:stCxn id="63" idx="0"/>
+            <a:endCxn id="144" idx="2"/>
+          </p:cNvCxnSpPr>
+          <p:nvPr/>
+        </p:nvCxnSpPr>
+        <p:spPr>
+          <a:xfrm flipV="1">
+            <a:off x="5304401" y="451838"/>
+            <a:ext cx="715795" cy="59275"/>
+          </a:xfrm>
+          <a:prstGeom prst="straightConnector1">
+            <a:avLst/>
+          </a:prstGeom>
+          <a:ln>
+            <a:solidFill>
+              <a:schemeClr val="tx1"/>
+            </a:solidFill>
+            <a:tailEnd type="triangle"/>
+          </a:ln>
+        </p:spPr>
+        <p:style>
+          <a:lnRef idx="1">
+            <a:schemeClr val="accent1"/>
+          </a:lnRef>
+          <a:fillRef idx="0">
+            <a:schemeClr val="accent1"/>
+          </a:fillRef>
+          <a:effectRef idx="0">
+            <a:schemeClr val="accent1"/>
+          </a:effectRef>
+          <a:fontRef idx="minor">
+            <a:schemeClr val="tx1"/>
+          </a:fontRef>
+        </p:style>
+      </p:cxnSp>
+      <p:sp>
+        <p:nvSpPr>
+          <p:cNvPr id="147" name="Rectángulo 58">
+            <a:extLst>
+              <a:ext uri="{FF2B5EF4-FFF2-40B4-BE49-F238E27FC236}">
+                <a16:creationId xmlns:a16="http://schemas.microsoft.com/office/drawing/2014/main" id="{7C3905B8-65DF-1DBF-5688-8D4BD34189C9}"/>
+              </a:ext>
+            </a:extLst>
+          </p:cNvPr>
+          <p:cNvSpPr/>
+          <p:nvPr/>
+        </p:nvSpPr>
+        <p:spPr>
+          <a:xfrm>
+            <a:off x="6270670" y="93056"/>
+            <a:ext cx="360000" cy="360000"/>
+          </a:xfrm>
+          <a:prstGeom prst="rect">
+            <a:avLst/>
+          </a:prstGeom>
+          <a:noFill/>
+          <a:ln>
+            <a:solidFill>
+              <a:schemeClr val="tx1"/>
+            </a:solidFill>
+          </a:ln>
+        </p:spPr>
+        <p:style>
+          <a:lnRef idx="2">
+            <a:schemeClr val="accent1">
+              <a:shade val="50000"/>
+            </a:schemeClr>
+          </a:lnRef>
+          <a:fillRef idx="1">
+            <a:schemeClr val="accent1"/>
+          </a:fillRef>
+          <a:effectRef idx="0">
+            <a:schemeClr val="accent1"/>
+          </a:effectRef>
+          <a:fontRef idx="minor">
+            <a:schemeClr val="lt1"/>
+          </a:fontRef>
+        </p:style>
+        <p:txBody>
+          <a:bodyPr lIns="0" tIns="0" rIns="0" bIns="0" rtlCol="0" anchor="ctr"/>
+          <a:lstStyle/>
+          <a:p>
+            <a:pPr algn="ctr"/>
+            <a:r>
+              <a:rPr lang="es-PE" sz="1050" dirty="0">
+                <a:solidFill>
+                  <a:sysClr val="windowText" lastClr="000000"/>
+                </a:solidFill>
+              </a:rPr>
+              <a:t>SI’</a:t>
+            </a:r>
+          </a:p>
+        </p:txBody>
+      </p:sp>
+      <p:sp>
+        <p:nvSpPr>
+          <p:cNvPr id="148" name="Rectángulo 58">
+            <a:extLst>
+              <a:ext uri="{FF2B5EF4-FFF2-40B4-BE49-F238E27FC236}">
+                <a16:creationId xmlns:a16="http://schemas.microsoft.com/office/drawing/2014/main" id="{94C41AD1-97C3-2659-2B36-30217DBB2589}"/>
+              </a:ext>
+            </a:extLst>
+          </p:cNvPr>
+          <p:cNvSpPr/>
+          <p:nvPr/>
+        </p:nvSpPr>
+        <p:spPr>
+          <a:xfrm>
+            <a:off x="6729375" y="93307"/>
+            <a:ext cx="360000" cy="360000"/>
+          </a:xfrm>
+          <a:prstGeom prst="rect">
+            <a:avLst/>
+          </a:prstGeom>
+          <a:noFill/>
+          <a:ln>
+            <a:solidFill>
+              <a:schemeClr val="tx1"/>
+            </a:solidFill>
+          </a:ln>
+        </p:spPr>
+        <p:style>
+          <a:lnRef idx="2">
+            <a:schemeClr val="accent1">
+              <a:shade val="50000"/>
+            </a:schemeClr>
+          </a:lnRef>
+          <a:fillRef idx="1">
+            <a:schemeClr val="accent1"/>
+          </a:fillRef>
+          <a:effectRef idx="0">
+            <a:schemeClr val="accent1"/>
+          </a:effectRef>
+          <a:fontRef idx="minor">
+            <a:schemeClr val="lt1"/>
+          </a:fontRef>
+        </p:style>
+        <p:txBody>
+          <a:bodyPr lIns="0" tIns="0" rIns="0" bIns="0" rtlCol="0" anchor="ctr"/>
+          <a:lstStyle/>
+          <a:p>
+            <a:pPr algn="ctr"/>
+            <a:r>
+              <a:rPr lang="es-PE" sz="1050" dirty="0">
+                <a:solidFill>
+                  <a:sysClr val="windowText" lastClr="000000"/>
+                </a:solidFill>
+              </a:rPr>
+              <a:t>DSP’</a:t>
+            </a:r>
+          </a:p>
+        </p:txBody>
+      </p:sp>
+      <p:sp>
+        <p:nvSpPr>
+          <p:cNvPr id="149" name="Rectángulo 58">
+            <a:extLst>
+              <a:ext uri="{FF2B5EF4-FFF2-40B4-BE49-F238E27FC236}">
+                <a16:creationId xmlns:a16="http://schemas.microsoft.com/office/drawing/2014/main" id="{55D6BA2C-3D59-89EF-FB04-BD6BC19ECD97}"/>
+              </a:ext>
+            </a:extLst>
+          </p:cNvPr>
+          <p:cNvSpPr/>
+          <p:nvPr/>
+        </p:nvSpPr>
+        <p:spPr>
+          <a:xfrm>
+            <a:off x="7189530" y="82051"/>
+            <a:ext cx="360000" cy="360000"/>
+          </a:xfrm>
+          <a:prstGeom prst="rect">
+            <a:avLst/>
+          </a:prstGeom>
+          <a:noFill/>
+          <a:ln>
+            <a:solidFill>
+              <a:schemeClr val="tx1"/>
+            </a:solidFill>
+          </a:ln>
+        </p:spPr>
+        <p:style>
+          <a:lnRef idx="2">
+            <a:schemeClr val="accent1">
+              <a:shade val="50000"/>
+            </a:schemeClr>
+          </a:lnRef>
+          <a:fillRef idx="1">
+            <a:schemeClr val="accent1"/>
+          </a:fillRef>
+          <a:effectRef idx="0">
+            <a:schemeClr val="accent1"/>
+          </a:effectRef>
+          <a:fontRef idx="minor">
+            <a:schemeClr val="lt1"/>
+          </a:fontRef>
+        </p:style>
+        <p:txBody>
+          <a:bodyPr lIns="0" tIns="0" rIns="0" bIns="0" rtlCol="0" anchor="ctr"/>
+          <a:lstStyle/>
+          <a:p>
+            <a:pPr algn="ctr"/>
+            <a:r>
+              <a:rPr lang="es-PE" sz="1050" dirty="0">
+                <a:solidFill>
+                  <a:sysClr val="windowText" lastClr="000000"/>
+                </a:solidFill>
+              </a:rPr>
+              <a:t>EV’</a:t>
+            </a:r>
+          </a:p>
+        </p:txBody>
+      </p:sp>
+      <p:cxnSp>
+        <p:nvCxnSpPr>
+          <p:cNvPr id="151" name="Straight Arrow Connector 150">
+            <a:extLst>
+              <a:ext uri="{FF2B5EF4-FFF2-40B4-BE49-F238E27FC236}">
+                <a16:creationId xmlns:a16="http://schemas.microsoft.com/office/drawing/2014/main" id="{B17D8525-758C-42BD-036D-91675A84EF1F}"/>
+              </a:ext>
+            </a:extLst>
+          </p:cNvPr>
+          <p:cNvCxnSpPr>
+            <a:stCxn id="64" idx="0"/>
+            <a:endCxn id="147" idx="2"/>
+          </p:cNvCxnSpPr>
+          <p:nvPr/>
+        </p:nvCxnSpPr>
+        <p:spPr>
+          <a:xfrm flipH="1" flipV="1">
+            <a:off x="6450670" y="453056"/>
+            <a:ext cx="310355" cy="63635"/>
+          </a:xfrm>
+          <a:prstGeom prst="straightConnector1">
+            <a:avLst/>
+          </a:prstGeom>
+          <a:ln>
+            <a:solidFill>
+              <a:schemeClr val="tx1"/>
+            </a:solidFill>
+            <a:tailEnd type="triangle"/>
+          </a:ln>
+        </p:spPr>
+        <p:style>
+          <a:lnRef idx="1">
+            <a:schemeClr val="accent1"/>
+          </a:lnRef>
+          <a:fillRef idx="0">
+            <a:schemeClr val="accent1"/>
+          </a:fillRef>
+          <a:effectRef idx="0">
+            <a:schemeClr val="accent1"/>
+          </a:effectRef>
+          <a:fontRef idx="minor">
+            <a:schemeClr val="tx1"/>
+          </a:fontRef>
+        </p:style>
+      </p:cxnSp>
+      <p:cxnSp>
+        <p:nvCxnSpPr>
+          <p:cNvPr id="153" name="Straight Arrow Connector 152">
+            <a:extLst>
+              <a:ext uri="{FF2B5EF4-FFF2-40B4-BE49-F238E27FC236}">
+                <a16:creationId xmlns:a16="http://schemas.microsoft.com/office/drawing/2014/main" id="{2F666BEC-157F-4B0E-69A9-4F2E2F0E0550}"/>
+              </a:ext>
+            </a:extLst>
+          </p:cNvPr>
+          <p:cNvCxnSpPr>
+            <a:endCxn id="148" idx="2"/>
+          </p:cNvCxnSpPr>
+          <p:nvPr/>
+        </p:nvCxnSpPr>
+        <p:spPr>
+          <a:xfrm flipV="1">
+            <a:off x="6761025" y="453307"/>
+            <a:ext cx="148350" cy="52228"/>
+          </a:xfrm>
+          <a:prstGeom prst="straightConnector1">
+            <a:avLst/>
+          </a:prstGeom>
+          <a:ln>
+            <a:solidFill>
+              <a:schemeClr val="tx1"/>
+            </a:solidFill>
+            <a:tailEnd type="triangle"/>
+          </a:ln>
+        </p:spPr>
+        <p:style>
+          <a:lnRef idx="1">
+            <a:schemeClr val="accent1"/>
+          </a:lnRef>
+          <a:fillRef idx="0">
+            <a:schemeClr val="accent1"/>
+          </a:fillRef>
+          <a:effectRef idx="0">
+            <a:schemeClr val="accent1"/>
+          </a:effectRef>
+          <a:fontRef idx="minor">
+            <a:schemeClr val="tx1"/>
+          </a:fontRef>
+        </p:style>
+      </p:cxnSp>
+      <p:cxnSp>
+        <p:nvCxnSpPr>
+          <p:cNvPr id="155" name="Straight Arrow Connector 154">
+            <a:extLst>
+              <a:ext uri="{FF2B5EF4-FFF2-40B4-BE49-F238E27FC236}">
+                <a16:creationId xmlns:a16="http://schemas.microsoft.com/office/drawing/2014/main" id="{B70F3EC1-7F9B-AF80-6A6F-A3FCA881417D}"/>
+              </a:ext>
+            </a:extLst>
+          </p:cNvPr>
+          <p:cNvCxnSpPr>
+            <a:stCxn id="64" idx="0"/>
+            <a:endCxn id="149" idx="2"/>
+          </p:cNvCxnSpPr>
+          <p:nvPr/>
+        </p:nvCxnSpPr>
+        <p:spPr>
+          <a:xfrm flipV="1">
+            <a:off x="6761025" y="442051"/>
+            <a:ext cx="608505" cy="74640"/>
+          </a:xfrm>
+          <a:prstGeom prst="straightConnector1">
+            <a:avLst/>
+          </a:prstGeom>
+          <a:ln>
+            <a:solidFill>
+              <a:schemeClr val="tx1"/>
+            </a:solidFill>
+            <a:tailEnd type="triangle"/>
+          </a:ln>
+        </p:spPr>
+        <p:style>
+          <a:lnRef idx="1">
+            <a:schemeClr val="accent1"/>
+          </a:lnRef>
+          <a:fillRef idx="0">
+            <a:schemeClr val="accent1"/>
+          </a:fillRef>
+          <a:effectRef idx="0">
+            <a:schemeClr val="accent1"/>
+          </a:effectRef>
+          <a:fontRef idx="minor">
+            <a:schemeClr val="tx1"/>
+          </a:fontRef>
+        </p:style>
+      </p:cxnSp>
+      <p:sp>
+        <p:nvSpPr>
+          <p:cNvPr id="156" name="Rectángulo 58">
+            <a:extLst>
+              <a:ext uri="{FF2B5EF4-FFF2-40B4-BE49-F238E27FC236}">
+                <a16:creationId xmlns:a16="http://schemas.microsoft.com/office/drawing/2014/main" id="{AE23BAB9-B976-1A62-BA35-B7831C5BCA55}"/>
+              </a:ext>
+            </a:extLst>
+          </p:cNvPr>
+          <p:cNvSpPr/>
+          <p:nvPr/>
+        </p:nvSpPr>
+        <p:spPr>
+          <a:xfrm>
+            <a:off x="7638704" y="102804"/>
+            <a:ext cx="360000" cy="360000"/>
+          </a:xfrm>
+          <a:prstGeom prst="rect">
+            <a:avLst/>
+          </a:prstGeom>
+          <a:noFill/>
+          <a:ln>
+            <a:solidFill>
+              <a:schemeClr val="tx1"/>
+            </a:solidFill>
+          </a:ln>
+        </p:spPr>
+        <p:style>
+          <a:lnRef idx="2">
+            <a:schemeClr val="accent1">
+              <a:shade val="50000"/>
+            </a:schemeClr>
+          </a:lnRef>
+          <a:fillRef idx="1">
+            <a:schemeClr val="accent1"/>
+          </a:fillRef>
+          <a:effectRef idx="0">
+            <a:schemeClr val="accent1"/>
+          </a:effectRef>
+          <a:fontRef idx="minor">
+            <a:schemeClr val="lt1"/>
+          </a:fontRef>
+        </p:style>
+        <p:txBody>
+          <a:bodyPr lIns="0" tIns="0" rIns="0" bIns="0" rtlCol="0" anchor="ctr"/>
+          <a:lstStyle/>
+          <a:p>
+            <a:pPr algn="ctr"/>
+            <a:r>
+              <a:rPr lang="es-PE" sz="1050" dirty="0">
+                <a:solidFill>
+                  <a:sysClr val="windowText" lastClr="000000"/>
+                </a:solidFill>
+              </a:rPr>
+              <a:t>GPC’</a:t>
+            </a:r>
+          </a:p>
+        </p:txBody>
+      </p:sp>
+      <p:sp>
+        <p:nvSpPr>
+          <p:cNvPr id="157" name="Rectángulo 58">
+            <a:extLst>
+              <a:ext uri="{FF2B5EF4-FFF2-40B4-BE49-F238E27FC236}">
+                <a16:creationId xmlns:a16="http://schemas.microsoft.com/office/drawing/2014/main" id="{7F0C9C10-3449-B3CD-C816-8F00621F7326}"/>
+              </a:ext>
+            </a:extLst>
+          </p:cNvPr>
+          <p:cNvSpPr/>
+          <p:nvPr/>
+        </p:nvSpPr>
+        <p:spPr>
+          <a:xfrm>
+            <a:off x="8097409" y="103055"/>
+            <a:ext cx="360000" cy="360000"/>
+          </a:xfrm>
+          <a:prstGeom prst="rect">
+            <a:avLst/>
+          </a:prstGeom>
+          <a:noFill/>
+          <a:ln>
+            <a:solidFill>
+              <a:schemeClr val="tx1"/>
+            </a:solidFill>
+          </a:ln>
+        </p:spPr>
+        <p:style>
+          <a:lnRef idx="2">
+            <a:schemeClr val="accent1">
+              <a:shade val="50000"/>
+            </a:schemeClr>
+          </a:lnRef>
+          <a:fillRef idx="1">
+            <a:schemeClr val="accent1"/>
+          </a:fillRef>
+          <a:effectRef idx="0">
+            <a:schemeClr val="accent1"/>
+          </a:effectRef>
+          <a:fontRef idx="minor">
+            <a:schemeClr val="lt1"/>
+          </a:fontRef>
+        </p:style>
+        <p:txBody>
+          <a:bodyPr lIns="0" tIns="0" rIns="0" bIns="0" rtlCol="0" anchor="ctr"/>
+          <a:lstStyle/>
+          <a:p>
+            <a:pPr algn="ctr"/>
+            <a:r>
+              <a:rPr lang="es-PE" sz="1050" dirty="0">
+                <a:solidFill>
+                  <a:sysClr val="windowText" lastClr="000000"/>
+                </a:solidFill>
+              </a:rPr>
+              <a:t>OPV’</a:t>
+            </a:r>
+          </a:p>
+        </p:txBody>
+      </p:sp>
+      <p:sp>
+        <p:nvSpPr>
+          <p:cNvPr id="158" name="Rectángulo 58">
+            <a:extLst>
+              <a:ext uri="{FF2B5EF4-FFF2-40B4-BE49-F238E27FC236}">
+                <a16:creationId xmlns:a16="http://schemas.microsoft.com/office/drawing/2014/main" id="{7604E76B-268C-B243-E8B2-1A44952B5856}"/>
+              </a:ext>
+            </a:extLst>
+          </p:cNvPr>
+          <p:cNvSpPr/>
+          <p:nvPr/>
+        </p:nvSpPr>
+        <p:spPr>
+          <a:xfrm>
+            <a:off x="8557564" y="91799"/>
+            <a:ext cx="360000" cy="360000"/>
+          </a:xfrm>
+          <a:prstGeom prst="rect">
+            <a:avLst/>
+          </a:prstGeom>
+          <a:noFill/>
+          <a:ln>
+            <a:solidFill>
+              <a:schemeClr val="tx1"/>
+            </a:solidFill>
+          </a:ln>
+        </p:spPr>
+        <p:style>
+          <a:lnRef idx="2">
+            <a:schemeClr val="accent1">
+              <a:shade val="50000"/>
+            </a:schemeClr>
+          </a:lnRef>
+          <a:fillRef idx="1">
+            <a:schemeClr val="accent1"/>
+          </a:fillRef>
+          <a:effectRef idx="0">
+            <a:schemeClr val="accent1"/>
+          </a:effectRef>
+          <a:fontRef idx="minor">
+            <a:schemeClr val="lt1"/>
+          </a:fontRef>
+        </p:style>
+        <p:txBody>
+          <a:bodyPr lIns="0" tIns="0" rIns="0" bIns="0" rtlCol="0" anchor="ctr"/>
+          <a:lstStyle/>
+          <a:p>
+            <a:pPr algn="ctr"/>
+            <a:r>
+              <a:rPr lang="es-PE" sz="1050" dirty="0">
+                <a:solidFill>
+                  <a:sysClr val="windowText" lastClr="000000"/>
+                </a:solidFill>
+              </a:rPr>
+              <a:t>OPC’</a:t>
+            </a:r>
+          </a:p>
+        </p:txBody>
+      </p:sp>
+      <p:cxnSp>
+        <p:nvCxnSpPr>
+          <p:cNvPr id="161" name="Straight Arrow Connector 160">
+            <a:extLst>
+              <a:ext uri="{FF2B5EF4-FFF2-40B4-BE49-F238E27FC236}">
+                <a16:creationId xmlns:a16="http://schemas.microsoft.com/office/drawing/2014/main" id="{8551F2B1-2724-59E7-FE98-797E95BA0B82}"/>
+              </a:ext>
+            </a:extLst>
+          </p:cNvPr>
+          <p:cNvCxnSpPr>
+            <a:stCxn id="65" idx="0"/>
+            <a:endCxn id="156" idx="2"/>
+          </p:cNvCxnSpPr>
+          <p:nvPr/>
+        </p:nvCxnSpPr>
+        <p:spPr>
+          <a:xfrm flipH="1" flipV="1">
+            <a:off x="7818704" y="462804"/>
+            <a:ext cx="398945" cy="42731"/>
+          </a:xfrm>
+          <a:prstGeom prst="straightConnector1">
+            <a:avLst/>
+          </a:prstGeom>
+          <a:ln>
+            <a:solidFill>
+              <a:schemeClr val="tx1"/>
+            </a:solidFill>
+            <a:tailEnd type="triangle"/>
+          </a:ln>
+        </p:spPr>
+        <p:style>
+          <a:lnRef idx="1">
+            <a:schemeClr val="accent1"/>
+          </a:lnRef>
+          <a:fillRef idx="0">
+            <a:schemeClr val="accent1"/>
+          </a:fillRef>
+          <a:effectRef idx="0">
+            <a:schemeClr val="accent1"/>
+          </a:effectRef>
+          <a:fontRef idx="minor">
+            <a:schemeClr val="tx1"/>
+          </a:fontRef>
+        </p:style>
+      </p:cxnSp>
+      <p:cxnSp>
+        <p:nvCxnSpPr>
+          <p:cNvPr id="163" name="Straight Arrow Connector 162">
+            <a:extLst>
+              <a:ext uri="{FF2B5EF4-FFF2-40B4-BE49-F238E27FC236}">
+                <a16:creationId xmlns:a16="http://schemas.microsoft.com/office/drawing/2014/main" id="{8EF645CB-8935-9196-A572-E07953383ACA}"/>
+              </a:ext>
+            </a:extLst>
+          </p:cNvPr>
+          <p:cNvCxnSpPr>
+            <a:endCxn id="157" idx="2"/>
+          </p:cNvCxnSpPr>
+          <p:nvPr/>
+        </p:nvCxnSpPr>
+        <p:spPr>
+          <a:xfrm flipH="1" flipV="1">
+            <a:off x="8277409" y="463055"/>
+            <a:ext cx="62334" cy="42480"/>
+          </a:xfrm>
+          <a:prstGeom prst="straightConnector1">
+            <a:avLst/>
+          </a:prstGeom>
+          <a:ln>
+            <a:solidFill>
+              <a:schemeClr val="tx1"/>
+            </a:solidFill>
+            <a:tailEnd type="triangle"/>
+          </a:ln>
+        </p:spPr>
+        <p:style>
+          <a:lnRef idx="1">
+            <a:schemeClr val="accent1"/>
+          </a:lnRef>
+          <a:fillRef idx="0">
+            <a:schemeClr val="accent1"/>
+          </a:fillRef>
+          <a:effectRef idx="0">
+            <a:schemeClr val="accent1"/>
+          </a:effectRef>
+          <a:fontRef idx="minor">
+            <a:schemeClr val="tx1"/>
+          </a:fontRef>
+        </p:style>
+      </p:cxnSp>
+      <p:cxnSp>
+        <p:nvCxnSpPr>
+          <p:cNvPr id="165" name="Straight Arrow Connector 164">
+            <a:extLst>
+              <a:ext uri="{FF2B5EF4-FFF2-40B4-BE49-F238E27FC236}">
+                <a16:creationId xmlns:a16="http://schemas.microsoft.com/office/drawing/2014/main" id="{3229F244-4AF5-9588-7F28-566155B64FF3}"/>
+              </a:ext>
+            </a:extLst>
+          </p:cNvPr>
+          <p:cNvCxnSpPr>
+            <a:cxnSpLocks/>
+            <a:stCxn id="65" idx="0"/>
+            <a:endCxn id="158" idx="2"/>
+          </p:cNvCxnSpPr>
+          <p:nvPr/>
+        </p:nvCxnSpPr>
+        <p:spPr>
+          <a:xfrm flipV="1">
+            <a:off x="8217649" y="451799"/>
+            <a:ext cx="519915" cy="53736"/>
           </a:xfrm>
           <a:prstGeom prst="straightConnector1">
             <a:avLst/>
